--- a/docs/第12回挿入法による整列・再起処理.pptx
+++ b/docs/第12回挿入法による整列・再起処理.pptx
@@ -9,7 +9,11 @@
     <p:sldId id="257" r:id="rId3"/>
     <p:sldId id="273" r:id="rId4"/>
     <p:sldId id="274" r:id="rId5"/>
-    <p:sldId id="278" r:id="rId6"/>
+    <p:sldId id="279" r:id="rId6"/>
+    <p:sldId id="280" r:id="rId7"/>
+    <p:sldId id="278" r:id="rId8"/>
+    <p:sldId id="281" r:id="rId9"/>
+    <p:sldId id="282" r:id="rId10"/>
   </p:sldIdLst>
   <p:sldSz cx="12192000" cy="6858000"/>
   <p:notesSz cx="6858000" cy="9144000"/>
@@ -247,7 +251,7 @@
           <a:p>
             <a:fld id="{BC217E9B-DFCD-4DFE-B7ED-A5F6001EB7CB}" type="datetimeFigureOut">
               <a:rPr kumimoji="1" lang="ja-JP" altLang="en-US" smtClean="0"/>
-              <a:t>2019/5/24</a:t>
+              <a:t>2019/5/27</a:t>
             </a:fld>
             <a:endParaRPr kumimoji="1" lang="ja-JP" altLang="en-US"/>
           </a:p>
@@ -449,7 +453,7 @@
           <a:p>
             <a:fld id="{BC217E9B-DFCD-4DFE-B7ED-A5F6001EB7CB}" type="datetimeFigureOut">
               <a:rPr kumimoji="1" lang="ja-JP" altLang="en-US" smtClean="0"/>
-              <a:t>2019/5/24</a:t>
+              <a:t>2019/5/27</a:t>
             </a:fld>
             <a:endParaRPr kumimoji="1" lang="ja-JP" altLang="en-US"/>
           </a:p>
@@ -661,7 +665,7 @@
           <a:p>
             <a:fld id="{BC217E9B-DFCD-4DFE-B7ED-A5F6001EB7CB}" type="datetimeFigureOut">
               <a:rPr kumimoji="1" lang="ja-JP" altLang="en-US" smtClean="0"/>
-              <a:t>2019/5/24</a:t>
+              <a:t>2019/5/27</a:t>
             </a:fld>
             <a:endParaRPr kumimoji="1" lang="ja-JP" altLang="en-US"/>
           </a:p>
@@ -863,7 +867,7 @@
           <a:p>
             <a:fld id="{BC217E9B-DFCD-4DFE-B7ED-A5F6001EB7CB}" type="datetimeFigureOut">
               <a:rPr kumimoji="1" lang="ja-JP" altLang="en-US" smtClean="0"/>
-              <a:t>2019/5/24</a:t>
+              <a:t>2019/5/27</a:t>
             </a:fld>
             <a:endParaRPr kumimoji="1" lang="ja-JP" altLang="en-US"/>
           </a:p>
@@ -1109,7 +1113,7 @@
           <a:p>
             <a:fld id="{BC217E9B-DFCD-4DFE-B7ED-A5F6001EB7CB}" type="datetimeFigureOut">
               <a:rPr kumimoji="1" lang="ja-JP" altLang="en-US" smtClean="0"/>
-              <a:t>2019/5/24</a:t>
+              <a:t>2019/5/27</a:t>
             </a:fld>
             <a:endParaRPr kumimoji="1" lang="ja-JP" altLang="en-US"/>
           </a:p>
@@ -1405,7 +1409,7 @@
           <a:p>
             <a:fld id="{BC217E9B-DFCD-4DFE-B7ED-A5F6001EB7CB}" type="datetimeFigureOut">
               <a:rPr kumimoji="1" lang="ja-JP" altLang="en-US" smtClean="0"/>
-              <a:t>2019/5/24</a:t>
+              <a:t>2019/5/27</a:t>
             </a:fld>
             <a:endParaRPr kumimoji="1" lang="ja-JP" altLang="en-US"/>
           </a:p>
@@ -1836,7 +1840,7 @@
           <a:p>
             <a:fld id="{BC217E9B-DFCD-4DFE-B7ED-A5F6001EB7CB}" type="datetimeFigureOut">
               <a:rPr kumimoji="1" lang="ja-JP" altLang="en-US" smtClean="0"/>
-              <a:t>2019/5/24</a:t>
+              <a:t>2019/5/27</a:t>
             </a:fld>
             <a:endParaRPr kumimoji="1" lang="ja-JP" altLang="en-US"/>
           </a:p>
@@ -1954,7 +1958,7 @@
           <a:p>
             <a:fld id="{BC217E9B-DFCD-4DFE-B7ED-A5F6001EB7CB}" type="datetimeFigureOut">
               <a:rPr kumimoji="1" lang="ja-JP" altLang="en-US" smtClean="0"/>
-              <a:t>2019/5/24</a:t>
+              <a:t>2019/5/27</a:t>
             </a:fld>
             <a:endParaRPr kumimoji="1" lang="ja-JP" altLang="en-US"/>
           </a:p>
@@ -2049,7 +2053,7 @@
           <a:p>
             <a:fld id="{BC217E9B-DFCD-4DFE-B7ED-A5F6001EB7CB}" type="datetimeFigureOut">
               <a:rPr kumimoji="1" lang="ja-JP" altLang="en-US" smtClean="0"/>
-              <a:t>2019/5/24</a:t>
+              <a:t>2019/5/27</a:t>
             </a:fld>
             <a:endParaRPr kumimoji="1" lang="ja-JP" altLang="en-US"/>
           </a:p>
@@ -2358,7 +2362,7 @@
           <a:p>
             <a:fld id="{BC217E9B-DFCD-4DFE-B7ED-A5F6001EB7CB}" type="datetimeFigureOut">
               <a:rPr kumimoji="1" lang="ja-JP" altLang="en-US" smtClean="0"/>
-              <a:t>2019/5/24</a:t>
+              <a:t>2019/5/27</a:t>
             </a:fld>
             <a:endParaRPr kumimoji="1" lang="ja-JP" altLang="en-US"/>
           </a:p>
@@ -2611,7 +2615,7 @@
           <a:p>
             <a:fld id="{BC217E9B-DFCD-4DFE-B7ED-A5F6001EB7CB}" type="datetimeFigureOut">
               <a:rPr kumimoji="1" lang="ja-JP" altLang="en-US" smtClean="0"/>
-              <a:t>2019/5/24</a:t>
+              <a:t>2019/5/27</a:t>
             </a:fld>
             <a:endParaRPr kumimoji="1" lang="ja-JP" altLang="en-US"/>
           </a:p>
@@ -2856,7 +2860,7 @@
           <a:p>
             <a:fld id="{BC217E9B-DFCD-4DFE-B7ED-A5F6001EB7CB}" type="datetimeFigureOut">
               <a:rPr kumimoji="1" lang="ja-JP" altLang="en-US" smtClean="0"/>
-              <a:t>2019/5/24</a:t>
+              <a:t>2019/5/27</a:t>
             </a:fld>
             <a:endParaRPr kumimoji="1" lang="ja-JP" altLang="en-US"/>
           </a:p>
@@ -3571,7 +3575,23 @@
             </a:r>
             <a:r>
               <a:rPr lang="ja-JP" altLang="en-US" sz="3600" dirty="0" smtClean="0"/>
-              <a:t>整列）挿入法</a:t>
+              <a:t>整列）</a:t>
+            </a:r>
+            <a:r>
+              <a:rPr lang="ja-JP" altLang="en-US" sz="3600" dirty="0" smtClean="0"/>
+              <a:t>挿入法（</a:t>
+            </a:r>
+            <a:r>
+              <a:rPr lang="en-US" altLang="ja-JP" sz="3600" dirty="0" smtClean="0"/>
+              <a:t>93</a:t>
+            </a:r>
+            <a:r>
+              <a:rPr lang="ja-JP" altLang="en-US" sz="3600" dirty="0" smtClean="0"/>
+              <a:t>ページ</a:t>
+            </a:r>
+            <a:r>
+              <a:rPr lang="en-US" altLang="ja-JP" sz="3600" dirty="0"/>
+              <a:t>)</a:t>
             </a:r>
             <a:endParaRPr kumimoji="1" lang="ja-JP" altLang="en-US" sz="3600" dirty="0"/>
           </a:p>
@@ -3585,8 +3605,8 @@
         </p:nvSpPr>
         <p:spPr>
           <a:xfrm>
-            <a:off x="3142211" y="2610197"/>
-            <a:ext cx="5724644" cy="1200329"/>
+            <a:off x="1551405" y="2898295"/>
+            <a:ext cx="9417963" cy="1200329"/>
           </a:xfrm>
           <a:prstGeom prst="rect">
             <a:avLst/>
@@ -3607,15 +3627,35 @@
           </a:p>
           <a:p>
             <a:r>
+              <a:rPr lang="ja-JP" altLang="en-US" sz="2400" dirty="0"/>
+              <a:t>・</a:t>
+            </a:r>
+            <a:r>
               <a:rPr lang="ja-JP" altLang="en-US" sz="2400" dirty="0" smtClean="0"/>
-              <a:t>末尾側からコピーしていく必要がある。</a:t>
+              <a:t>末尾側</a:t>
+            </a:r>
+            <a:r>
+              <a:rPr lang="ja-JP" altLang="en-US" sz="2400" dirty="0" smtClean="0"/>
+              <a:t>からコピーしていく必要がある。</a:t>
             </a:r>
             <a:endParaRPr lang="en-US" altLang="ja-JP" sz="2400" dirty="0" smtClean="0"/>
           </a:p>
           <a:p>
             <a:r>
               <a:rPr lang="ja-JP" altLang="en-US" sz="2400" dirty="0" smtClean="0"/>
-              <a:t>いったん退避させる必要がある。</a:t>
+              <a:t>・データが上書きされるのでいったん</a:t>
+            </a:r>
+            <a:r>
+              <a:rPr lang="ja-JP" altLang="en-US" sz="2400" dirty="0" smtClean="0"/>
+              <a:t>退避</a:t>
+            </a:r>
+            <a:r>
+              <a:rPr lang="ja-JP" altLang="en-US" sz="2400" dirty="0" smtClean="0"/>
+              <a:t>させておく必要</a:t>
+            </a:r>
+            <a:r>
+              <a:rPr lang="ja-JP" altLang="en-US" sz="2400" dirty="0" smtClean="0"/>
+              <a:t>がある。</a:t>
             </a:r>
             <a:endParaRPr lang="en-US" altLang="ja-JP" sz="2400" dirty="0"/>
           </a:p>
@@ -4720,6 +4760,1214 @@
       </p:grpSpPr>
       <p:sp>
         <p:nvSpPr>
+          <p:cNvPr id="3" name="テキスト ボックス 2"/>
+          <p:cNvSpPr txBox="1"/>
+          <p:nvPr/>
+        </p:nvSpPr>
+        <p:spPr>
+          <a:xfrm>
+            <a:off x="335187" y="357401"/>
+            <a:ext cx="9275296" cy="4401205"/>
+          </a:xfrm>
+          <a:prstGeom prst="rect">
+            <a:avLst/>
+          </a:prstGeom>
+          <a:noFill/>
+        </p:spPr>
+        <p:txBody>
+          <a:bodyPr wrap="none" rtlCol="0">
+            <a:spAutoFit/>
+          </a:bodyPr>
+          <a:lstStyle/>
+          <a:p>
+            <a:r>
+              <a:rPr lang="ja-JP" altLang="en-US" sz="2000" dirty="0"/>
+              <a:t>○プログラム名：挿入法による整列</a:t>
+            </a:r>
+            <a:r>
+              <a:rPr lang="en-US" altLang="ja-JP" sz="2000" dirty="0"/>
+              <a:t>for</a:t>
+            </a:r>
+            <a:r>
+              <a:rPr lang="ja-JP" altLang="en-US" sz="2000" dirty="0"/>
+              <a:t>型ループ </a:t>
+            </a:r>
+            <a:r>
+              <a:rPr lang="en-US" altLang="ja-JP" sz="2000" dirty="0"/>
+              <a:t>/* </a:t>
+            </a:r>
+            <a:r>
+              <a:rPr lang="ja-JP" altLang="en-US" sz="2000" dirty="0"/>
+              <a:t>教科書 </a:t>
+            </a:r>
+            <a:r>
+              <a:rPr lang="en-US" altLang="ja-JP" sz="2000" dirty="0"/>
+              <a:t>97</a:t>
+            </a:r>
+            <a:r>
+              <a:rPr lang="ja-JP" altLang="en-US" sz="2000" dirty="0"/>
+              <a:t>ページサンプル *</a:t>
+            </a:r>
+            <a:r>
+              <a:rPr lang="en-US" altLang="ja-JP" sz="2000" dirty="0"/>
+              <a:t>/</a:t>
+            </a:r>
+          </a:p>
+          <a:p>
+            <a:endParaRPr lang="en-US" altLang="ja-JP" sz="2000" dirty="0"/>
+          </a:p>
+          <a:p>
+            <a:r>
+              <a:rPr lang="en-US" altLang="ja-JP" sz="2000" dirty="0"/>
+              <a:t>○</a:t>
+            </a:r>
+            <a:r>
+              <a:rPr lang="ja-JP" altLang="en-US" sz="2000" dirty="0"/>
+              <a:t>整数型：</a:t>
+            </a:r>
+            <a:r>
+              <a:rPr lang="en-US" altLang="ja-JP" sz="2000" dirty="0"/>
+              <a:t>InsertionSort2(</a:t>
+            </a:r>
+            <a:r>
+              <a:rPr lang="ja-JP" altLang="en-US" sz="2000" dirty="0"/>
+              <a:t>整数型：</a:t>
+            </a:r>
+            <a:r>
+              <a:rPr lang="en-US" altLang="ja-JP" sz="2000" dirty="0"/>
+              <a:t>T[],</a:t>
+            </a:r>
+            <a:r>
+              <a:rPr lang="ja-JP" altLang="en-US" sz="2000" dirty="0"/>
+              <a:t>整数型：</a:t>
+            </a:r>
+            <a:r>
+              <a:rPr lang="en-US" altLang="ja-JP" sz="2000" dirty="0"/>
+              <a:t>N)</a:t>
+            </a:r>
+          </a:p>
+          <a:p>
+            <a:r>
+              <a:rPr lang="en-US" altLang="ja-JP" sz="2000" dirty="0"/>
+              <a:t>○</a:t>
+            </a:r>
+            <a:r>
+              <a:rPr lang="ja-JP" altLang="en-US" sz="2000" dirty="0"/>
+              <a:t>整数型：</a:t>
+            </a:r>
+            <a:r>
+              <a:rPr lang="en-US" altLang="ja-JP" sz="2000" dirty="0"/>
+              <a:t>Head</a:t>
+            </a:r>
+          </a:p>
+          <a:p>
+            <a:r>
+              <a:rPr lang="en-US" altLang="ja-JP" sz="2000" dirty="0"/>
+              <a:t>○</a:t>
+            </a:r>
+            <a:r>
+              <a:rPr lang="ja-JP" altLang="en-US" sz="2000" dirty="0"/>
+              <a:t>整数型：</a:t>
+            </a:r>
+            <a:r>
+              <a:rPr lang="en-US" altLang="ja-JP" sz="2000" dirty="0" err="1"/>
+              <a:t>Idx</a:t>
+            </a:r>
+            <a:endParaRPr lang="en-US" altLang="ja-JP" sz="2000" dirty="0"/>
+          </a:p>
+          <a:p>
+            <a:r>
+              <a:rPr lang="en-US" altLang="ja-JP" sz="2000" dirty="0"/>
+              <a:t>○</a:t>
+            </a:r>
+            <a:r>
+              <a:rPr lang="ja-JP" altLang="en-US" sz="2000" dirty="0"/>
+              <a:t>整数型：</a:t>
+            </a:r>
+            <a:r>
+              <a:rPr lang="en-US" altLang="ja-JP" sz="2000" dirty="0"/>
+              <a:t>Work</a:t>
+            </a:r>
+          </a:p>
+          <a:p>
+            <a:endParaRPr lang="en-US" altLang="ja-JP" sz="2000" dirty="0"/>
+          </a:p>
+          <a:p>
+            <a:r>
+              <a:rPr lang="en-US" altLang="ja-JP" sz="2000" dirty="0"/>
+              <a:t>■Head</a:t>
+            </a:r>
+            <a:r>
+              <a:rPr lang="ja-JP" altLang="en-US" sz="2000" dirty="0"/>
+              <a:t>：</a:t>
+            </a:r>
+            <a:r>
+              <a:rPr lang="en-US" altLang="ja-JP" sz="2000" dirty="0"/>
+              <a:t>1, Head &lt;1 N ,1</a:t>
+            </a:r>
+          </a:p>
+          <a:p>
+            <a:r>
+              <a:rPr lang="ja-JP" altLang="en-US" sz="2000" dirty="0"/>
+              <a:t>｜●</a:t>
+            </a:r>
+            <a:r>
+              <a:rPr lang="en-US" altLang="ja-JP" sz="2000" dirty="0"/>
+              <a:t>Work ← T[Head]</a:t>
+            </a:r>
+          </a:p>
+          <a:p>
+            <a:r>
+              <a:rPr lang="ja-JP" altLang="en-US" sz="2000" dirty="0"/>
+              <a:t>｜■</a:t>
+            </a:r>
+            <a:r>
+              <a:rPr lang="en-US" altLang="ja-JP" sz="2000" dirty="0" err="1"/>
+              <a:t>Idx:Head</a:t>
+            </a:r>
+            <a:r>
+              <a:rPr lang="en-US" altLang="ja-JP" sz="2000" dirty="0"/>
+              <a:t> -1, </a:t>
+            </a:r>
+            <a:r>
+              <a:rPr lang="en-US" altLang="ja-JP" sz="2000" dirty="0" err="1"/>
+              <a:t>Idx</a:t>
+            </a:r>
+            <a:r>
+              <a:rPr lang="en-US" altLang="ja-JP" sz="2000" dirty="0"/>
+              <a:t> ≧ and T[</a:t>
+            </a:r>
+            <a:r>
+              <a:rPr lang="en-US" altLang="ja-JP" sz="2000" dirty="0" err="1"/>
+              <a:t>Idx</a:t>
+            </a:r>
+            <a:r>
+              <a:rPr lang="en-US" altLang="ja-JP" sz="2000" dirty="0"/>
+              <a:t>] &gt; Work,-1</a:t>
+            </a:r>
+          </a:p>
+          <a:p>
+            <a:r>
+              <a:rPr lang="ja-JP" altLang="en-US" sz="2000" dirty="0"/>
+              <a:t>｜｜●</a:t>
+            </a:r>
+            <a:r>
+              <a:rPr lang="en-US" altLang="ja-JP" sz="2000" dirty="0"/>
+              <a:t>T[Idx+1] ← T[</a:t>
+            </a:r>
+            <a:r>
+              <a:rPr lang="en-US" altLang="ja-JP" sz="2000" dirty="0" err="1"/>
+              <a:t>Idx</a:t>
+            </a:r>
+            <a:r>
+              <a:rPr lang="en-US" altLang="ja-JP" sz="2000" dirty="0"/>
+              <a:t>]</a:t>
+            </a:r>
+          </a:p>
+          <a:p>
+            <a:r>
+              <a:rPr lang="ja-JP" altLang="en-US" sz="2000" dirty="0"/>
+              <a:t>｜□</a:t>
+            </a:r>
+          </a:p>
+          <a:p>
+            <a:r>
+              <a:rPr lang="ja-JP" altLang="en-US" sz="2000" dirty="0"/>
+              <a:t>｜●</a:t>
+            </a:r>
+            <a:r>
+              <a:rPr lang="en-US" altLang="ja-JP" sz="2000" dirty="0"/>
+              <a:t>T[Idx+1] ← Work</a:t>
+            </a:r>
+          </a:p>
+          <a:p>
+            <a:r>
+              <a:rPr lang="en-US" altLang="ja-JP" sz="2000" dirty="0"/>
+              <a:t>□</a:t>
+            </a:r>
+            <a:endParaRPr lang="en-US" altLang="ja-JP" sz="2000" dirty="0" smtClean="0"/>
+          </a:p>
+        </p:txBody>
+      </p:sp>
+      <p:graphicFrame>
+        <p:nvGraphicFramePr>
+          <p:cNvPr id="11" name="表 10"/>
+          <p:cNvGraphicFramePr>
+            <a:graphicFrameLocks noGrp="1"/>
+          </p:cNvGraphicFramePr>
+          <p:nvPr>
+            <p:extLst>
+              <p:ext uri="{D42A27DB-BD31-4B8C-83A1-F6EECF244321}">
+                <p14:modId xmlns:p14="http://schemas.microsoft.com/office/powerpoint/2010/main" val="1205503221"/>
+              </p:ext>
+            </p:extLst>
+          </p:nvPr>
+        </p:nvGraphicFramePr>
+        <p:xfrm>
+          <a:off x="4972835" y="4434813"/>
+          <a:ext cx="6726470" cy="834658"/>
+        </p:xfrm>
+        <a:graphic>
+          <a:graphicData uri="http://schemas.openxmlformats.org/drawingml/2006/table">
+            <a:tbl>
+              <a:tblPr firstRow="1" bandRow="1">
+                <a:tableStyleId>{5C22544A-7EE6-4342-B048-85BDC9FD1C3A}</a:tableStyleId>
+              </a:tblPr>
+              <a:tblGrid>
+                <a:gridCol w="672647">
+                  <a:extLst>
+                    <a:ext uri="{9D8B030D-6E8A-4147-A177-3AD203B41FA5}">
+                      <a16:colId xmlns:a16="http://schemas.microsoft.com/office/drawing/2014/main" val="269848708"/>
+                    </a:ext>
+                  </a:extLst>
+                </a:gridCol>
+                <a:gridCol w="672647">
+                  <a:extLst>
+                    <a:ext uri="{9D8B030D-6E8A-4147-A177-3AD203B41FA5}">
+                      <a16:colId xmlns:a16="http://schemas.microsoft.com/office/drawing/2014/main" val="3426576138"/>
+                    </a:ext>
+                  </a:extLst>
+                </a:gridCol>
+                <a:gridCol w="672647">
+                  <a:extLst>
+                    <a:ext uri="{9D8B030D-6E8A-4147-A177-3AD203B41FA5}">
+                      <a16:colId xmlns:a16="http://schemas.microsoft.com/office/drawing/2014/main" val="2126635011"/>
+                    </a:ext>
+                  </a:extLst>
+                </a:gridCol>
+                <a:gridCol w="672647">
+                  <a:extLst>
+                    <a:ext uri="{9D8B030D-6E8A-4147-A177-3AD203B41FA5}">
+                      <a16:colId xmlns:a16="http://schemas.microsoft.com/office/drawing/2014/main" val="4080494730"/>
+                    </a:ext>
+                  </a:extLst>
+                </a:gridCol>
+                <a:gridCol w="672647">
+                  <a:extLst>
+                    <a:ext uri="{9D8B030D-6E8A-4147-A177-3AD203B41FA5}">
+                      <a16:colId xmlns:a16="http://schemas.microsoft.com/office/drawing/2014/main" val="2782661137"/>
+                    </a:ext>
+                  </a:extLst>
+                </a:gridCol>
+                <a:gridCol w="672647">
+                  <a:extLst>
+                    <a:ext uri="{9D8B030D-6E8A-4147-A177-3AD203B41FA5}">
+                      <a16:colId xmlns:a16="http://schemas.microsoft.com/office/drawing/2014/main" val="3231802040"/>
+                    </a:ext>
+                  </a:extLst>
+                </a:gridCol>
+                <a:gridCol w="672647">
+                  <a:extLst>
+                    <a:ext uri="{9D8B030D-6E8A-4147-A177-3AD203B41FA5}">
+                      <a16:colId xmlns:a16="http://schemas.microsoft.com/office/drawing/2014/main" val="112962736"/>
+                    </a:ext>
+                  </a:extLst>
+                </a:gridCol>
+                <a:gridCol w="672647">
+                  <a:extLst>
+                    <a:ext uri="{9D8B030D-6E8A-4147-A177-3AD203B41FA5}">
+                      <a16:colId xmlns:a16="http://schemas.microsoft.com/office/drawing/2014/main" val="3073380128"/>
+                    </a:ext>
+                  </a:extLst>
+                </a:gridCol>
+                <a:gridCol w="672647">
+                  <a:extLst>
+                    <a:ext uri="{9D8B030D-6E8A-4147-A177-3AD203B41FA5}">
+                      <a16:colId xmlns:a16="http://schemas.microsoft.com/office/drawing/2014/main" val="753755461"/>
+                    </a:ext>
+                  </a:extLst>
+                </a:gridCol>
+                <a:gridCol w="672647">
+                  <a:extLst>
+                    <a:ext uri="{9D8B030D-6E8A-4147-A177-3AD203B41FA5}">
+                      <a16:colId xmlns:a16="http://schemas.microsoft.com/office/drawing/2014/main" val="1167236395"/>
+                    </a:ext>
+                  </a:extLst>
+                </a:gridCol>
+              </a:tblGrid>
+              <a:tr h="468898">
+                <a:tc>
+                  <a:txBody>
+                    <a:bodyPr/>
+                    <a:lstStyle/>
+                    <a:p>
+                      <a:r>
+                        <a:rPr kumimoji="1" lang="en-US" altLang="ja-JP" dirty="0" smtClean="0"/>
+                        <a:t>T[0]</a:t>
+                      </a:r>
+                      <a:endParaRPr kumimoji="1" lang="ja-JP" altLang="en-US" dirty="0"/>
+                    </a:p>
+                  </a:txBody>
+                  <a:tcPr/>
+                </a:tc>
+                <a:tc>
+                  <a:txBody>
+                    <a:bodyPr/>
+                    <a:lstStyle/>
+                    <a:p>
+                      <a:r>
+                        <a:rPr kumimoji="1" lang="en-US" altLang="ja-JP" dirty="0" smtClean="0"/>
+                        <a:t>T[1]</a:t>
+                      </a:r>
+                      <a:endParaRPr kumimoji="1" lang="ja-JP" altLang="en-US" dirty="0"/>
+                    </a:p>
+                  </a:txBody>
+                  <a:tcPr/>
+                </a:tc>
+                <a:tc>
+                  <a:txBody>
+                    <a:bodyPr/>
+                    <a:lstStyle/>
+                    <a:p>
+                      <a:r>
+                        <a:rPr kumimoji="1" lang="en-US" altLang="ja-JP" dirty="0" smtClean="0"/>
+                        <a:t>T[2]</a:t>
+                      </a:r>
+                      <a:endParaRPr kumimoji="1" lang="ja-JP" altLang="en-US" dirty="0"/>
+                    </a:p>
+                  </a:txBody>
+                  <a:tcPr/>
+                </a:tc>
+                <a:tc>
+                  <a:txBody>
+                    <a:bodyPr/>
+                    <a:lstStyle/>
+                    <a:p>
+                      <a:r>
+                        <a:rPr kumimoji="1" lang="en-US" altLang="ja-JP" dirty="0" smtClean="0"/>
+                        <a:t>T[3]</a:t>
+                      </a:r>
+                      <a:endParaRPr kumimoji="1" lang="ja-JP" altLang="en-US" dirty="0"/>
+                    </a:p>
+                  </a:txBody>
+                  <a:tcPr/>
+                </a:tc>
+                <a:tc>
+                  <a:txBody>
+                    <a:bodyPr/>
+                    <a:lstStyle/>
+                    <a:p>
+                      <a:r>
+                        <a:rPr kumimoji="1" lang="en-US" altLang="ja-JP" dirty="0" smtClean="0"/>
+                        <a:t>T[4]</a:t>
+                      </a:r>
+                      <a:endParaRPr kumimoji="1" lang="ja-JP" altLang="en-US" dirty="0"/>
+                    </a:p>
+                  </a:txBody>
+                  <a:tcPr/>
+                </a:tc>
+                <a:tc>
+                  <a:txBody>
+                    <a:bodyPr/>
+                    <a:lstStyle/>
+                    <a:p>
+                      <a:pPr marL="0" marR="0" lvl="0" indent="0" algn="l" defTabSz="914400" rtl="0" eaLnBrk="1" fontAlgn="auto" latinLnBrk="0" hangingPunct="1">
+                        <a:lnSpc>
+                          <a:spcPct val="100000"/>
+                        </a:lnSpc>
+                        <a:spcBef>
+                          <a:spcPts val="0"/>
+                        </a:spcBef>
+                        <a:spcAft>
+                          <a:spcPts val="0"/>
+                        </a:spcAft>
+                        <a:buClrTx/>
+                        <a:buSzTx/>
+                        <a:buFontTx/>
+                        <a:buNone/>
+                        <a:tabLst/>
+                        <a:defRPr/>
+                      </a:pPr>
+                      <a:r>
+                        <a:rPr kumimoji="1" lang="en-US" altLang="ja-JP" dirty="0" smtClean="0"/>
+                        <a:t>T[5]</a:t>
+                      </a:r>
+                      <a:endParaRPr kumimoji="1" lang="ja-JP" altLang="en-US" dirty="0" smtClean="0"/>
+                    </a:p>
+                  </a:txBody>
+                  <a:tcPr/>
+                </a:tc>
+                <a:tc>
+                  <a:txBody>
+                    <a:bodyPr/>
+                    <a:lstStyle/>
+                    <a:p>
+                      <a:pPr marL="0" marR="0" lvl="0" indent="0" algn="l" defTabSz="914400" rtl="0" eaLnBrk="1" fontAlgn="auto" latinLnBrk="0" hangingPunct="1">
+                        <a:lnSpc>
+                          <a:spcPct val="100000"/>
+                        </a:lnSpc>
+                        <a:spcBef>
+                          <a:spcPts val="0"/>
+                        </a:spcBef>
+                        <a:spcAft>
+                          <a:spcPts val="0"/>
+                        </a:spcAft>
+                        <a:buClrTx/>
+                        <a:buSzTx/>
+                        <a:buFontTx/>
+                        <a:buNone/>
+                        <a:tabLst/>
+                        <a:defRPr/>
+                      </a:pPr>
+                      <a:r>
+                        <a:rPr kumimoji="1" lang="en-US" altLang="ja-JP" dirty="0" smtClean="0"/>
+                        <a:t>T[6]</a:t>
+                      </a:r>
+                      <a:endParaRPr kumimoji="1" lang="ja-JP" altLang="en-US" dirty="0" smtClean="0"/>
+                    </a:p>
+                  </a:txBody>
+                  <a:tcPr/>
+                </a:tc>
+                <a:tc>
+                  <a:txBody>
+                    <a:bodyPr/>
+                    <a:lstStyle/>
+                    <a:p>
+                      <a:pPr marL="0" marR="0" lvl="0" indent="0" algn="l" defTabSz="914400" rtl="0" eaLnBrk="1" fontAlgn="auto" latinLnBrk="0" hangingPunct="1">
+                        <a:lnSpc>
+                          <a:spcPct val="100000"/>
+                        </a:lnSpc>
+                        <a:spcBef>
+                          <a:spcPts val="0"/>
+                        </a:spcBef>
+                        <a:spcAft>
+                          <a:spcPts val="0"/>
+                        </a:spcAft>
+                        <a:buClrTx/>
+                        <a:buSzTx/>
+                        <a:buFontTx/>
+                        <a:buNone/>
+                        <a:tabLst/>
+                        <a:defRPr/>
+                      </a:pPr>
+                      <a:r>
+                        <a:rPr kumimoji="1" lang="en-US" altLang="ja-JP" dirty="0" smtClean="0"/>
+                        <a:t>T[7]</a:t>
+                      </a:r>
+                      <a:endParaRPr kumimoji="1" lang="ja-JP" altLang="en-US" dirty="0" smtClean="0"/>
+                    </a:p>
+                  </a:txBody>
+                  <a:tcPr/>
+                </a:tc>
+                <a:tc>
+                  <a:txBody>
+                    <a:bodyPr/>
+                    <a:lstStyle/>
+                    <a:p>
+                      <a:pPr marL="0" marR="0" lvl="0" indent="0" algn="l" defTabSz="914400" rtl="0" eaLnBrk="1" fontAlgn="auto" latinLnBrk="0" hangingPunct="1">
+                        <a:lnSpc>
+                          <a:spcPct val="100000"/>
+                        </a:lnSpc>
+                        <a:spcBef>
+                          <a:spcPts val="0"/>
+                        </a:spcBef>
+                        <a:spcAft>
+                          <a:spcPts val="0"/>
+                        </a:spcAft>
+                        <a:buClrTx/>
+                        <a:buSzTx/>
+                        <a:buFontTx/>
+                        <a:buNone/>
+                        <a:tabLst/>
+                        <a:defRPr/>
+                      </a:pPr>
+                      <a:r>
+                        <a:rPr kumimoji="1" lang="en-US" altLang="ja-JP" dirty="0" smtClean="0"/>
+                        <a:t>T[8]</a:t>
+                      </a:r>
+                      <a:endParaRPr kumimoji="1" lang="ja-JP" altLang="en-US" dirty="0" smtClean="0"/>
+                    </a:p>
+                  </a:txBody>
+                  <a:tcPr/>
+                </a:tc>
+                <a:tc>
+                  <a:txBody>
+                    <a:bodyPr/>
+                    <a:lstStyle/>
+                    <a:p>
+                      <a:pPr marL="0" marR="0" lvl="0" indent="0" algn="l" defTabSz="914400" rtl="0" eaLnBrk="1" fontAlgn="auto" latinLnBrk="0" hangingPunct="1">
+                        <a:lnSpc>
+                          <a:spcPct val="100000"/>
+                        </a:lnSpc>
+                        <a:spcBef>
+                          <a:spcPts val="0"/>
+                        </a:spcBef>
+                        <a:spcAft>
+                          <a:spcPts val="0"/>
+                        </a:spcAft>
+                        <a:buClrTx/>
+                        <a:buSzTx/>
+                        <a:buFontTx/>
+                        <a:buNone/>
+                        <a:tabLst/>
+                        <a:defRPr/>
+                      </a:pPr>
+                      <a:r>
+                        <a:rPr kumimoji="1" lang="en-US" altLang="ja-JP" dirty="0" smtClean="0"/>
+                        <a:t>T[9]</a:t>
+                      </a:r>
+                      <a:endParaRPr kumimoji="1" lang="ja-JP" altLang="en-US" dirty="0" smtClean="0"/>
+                    </a:p>
+                  </a:txBody>
+                  <a:tcPr/>
+                </a:tc>
+                <a:extLst>
+                  <a:ext uri="{0D108BD9-81ED-4DB2-BD59-A6C34878D82A}">
+                    <a16:rowId xmlns:a16="http://schemas.microsoft.com/office/drawing/2014/main" val="284480592"/>
+                  </a:ext>
+                </a:extLst>
+              </a:tr>
+              <a:tr h="267942">
+                <a:tc>
+                  <a:txBody>
+                    <a:bodyPr/>
+                    <a:lstStyle/>
+                    <a:p>
+                      <a:r>
+                        <a:rPr kumimoji="1" lang="en-US" altLang="ja-JP" dirty="0" smtClean="0"/>
+                        <a:t>1</a:t>
+                      </a:r>
+                      <a:endParaRPr kumimoji="1" lang="ja-JP" altLang="en-US" dirty="0"/>
+                    </a:p>
+                  </a:txBody>
+                  <a:tcPr/>
+                </a:tc>
+                <a:tc>
+                  <a:txBody>
+                    <a:bodyPr/>
+                    <a:lstStyle/>
+                    <a:p>
+                      <a:r>
+                        <a:rPr kumimoji="1" lang="en-US" altLang="ja-JP" dirty="0" smtClean="0"/>
+                        <a:t>2</a:t>
+                      </a:r>
+                      <a:endParaRPr kumimoji="1" lang="ja-JP" altLang="en-US" dirty="0"/>
+                    </a:p>
+                  </a:txBody>
+                  <a:tcPr/>
+                </a:tc>
+                <a:tc>
+                  <a:txBody>
+                    <a:bodyPr/>
+                    <a:lstStyle/>
+                    <a:p>
+                      <a:r>
+                        <a:rPr kumimoji="1" lang="en-US" altLang="ja-JP" dirty="0" smtClean="0"/>
+                        <a:t>4</a:t>
+                      </a:r>
+                      <a:endParaRPr kumimoji="1" lang="ja-JP" altLang="en-US" dirty="0"/>
+                    </a:p>
+                  </a:txBody>
+                  <a:tcPr/>
+                </a:tc>
+                <a:tc>
+                  <a:txBody>
+                    <a:bodyPr/>
+                    <a:lstStyle/>
+                    <a:p>
+                      <a:r>
+                        <a:rPr kumimoji="1" lang="en-US" altLang="ja-JP" dirty="0" smtClean="0"/>
+                        <a:t>7</a:t>
+                      </a:r>
+                      <a:endParaRPr kumimoji="1" lang="ja-JP" altLang="en-US" dirty="0"/>
+                    </a:p>
+                  </a:txBody>
+                  <a:tcPr/>
+                </a:tc>
+                <a:tc>
+                  <a:txBody>
+                    <a:bodyPr/>
+                    <a:lstStyle/>
+                    <a:p>
+                      <a:r>
+                        <a:rPr kumimoji="1" lang="en-US" altLang="ja-JP" dirty="0" smtClean="0"/>
+                        <a:t>3</a:t>
+                      </a:r>
+                      <a:endParaRPr kumimoji="1" lang="ja-JP" altLang="en-US" dirty="0"/>
+                    </a:p>
+                  </a:txBody>
+                  <a:tcPr/>
+                </a:tc>
+                <a:tc>
+                  <a:txBody>
+                    <a:bodyPr/>
+                    <a:lstStyle/>
+                    <a:p>
+                      <a:r>
+                        <a:rPr kumimoji="1" lang="en-US" altLang="ja-JP" dirty="0" smtClean="0"/>
+                        <a:t>5</a:t>
+                      </a:r>
+                      <a:endParaRPr kumimoji="1" lang="ja-JP" altLang="en-US" dirty="0"/>
+                    </a:p>
+                  </a:txBody>
+                  <a:tcPr/>
+                </a:tc>
+                <a:tc>
+                  <a:txBody>
+                    <a:bodyPr/>
+                    <a:lstStyle/>
+                    <a:p>
+                      <a:r>
+                        <a:rPr kumimoji="1" lang="en-US" altLang="ja-JP" dirty="0" smtClean="0"/>
+                        <a:t>9</a:t>
+                      </a:r>
+                      <a:endParaRPr kumimoji="1" lang="ja-JP" altLang="en-US" dirty="0"/>
+                    </a:p>
+                  </a:txBody>
+                  <a:tcPr/>
+                </a:tc>
+                <a:tc>
+                  <a:txBody>
+                    <a:bodyPr/>
+                    <a:lstStyle/>
+                    <a:p>
+                      <a:r>
+                        <a:rPr kumimoji="1" lang="en-US" altLang="ja-JP" dirty="0" smtClean="0"/>
+                        <a:t>6</a:t>
+                      </a:r>
+                      <a:endParaRPr kumimoji="1" lang="ja-JP" altLang="en-US" dirty="0"/>
+                    </a:p>
+                  </a:txBody>
+                  <a:tcPr/>
+                </a:tc>
+                <a:tc>
+                  <a:txBody>
+                    <a:bodyPr/>
+                    <a:lstStyle/>
+                    <a:p>
+                      <a:r>
+                        <a:rPr kumimoji="1" lang="en-US" altLang="ja-JP" dirty="0" smtClean="0"/>
+                        <a:t>8</a:t>
+                      </a:r>
+                      <a:endParaRPr kumimoji="1" lang="ja-JP" altLang="en-US" dirty="0"/>
+                    </a:p>
+                  </a:txBody>
+                  <a:tcPr/>
+                </a:tc>
+                <a:tc>
+                  <a:txBody>
+                    <a:bodyPr/>
+                    <a:lstStyle/>
+                    <a:p>
+                      <a:r>
+                        <a:rPr kumimoji="1" lang="en-US" altLang="ja-JP" dirty="0" smtClean="0"/>
+                        <a:t>7</a:t>
+                      </a:r>
+                      <a:endParaRPr kumimoji="1" lang="ja-JP" altLang="en-US" dirty="0"/>
+                    </a:p>
+                  </a:txBody>
+                  <a:tcPr/>
+                </a:tc>
+                <a:extLst>
+                  <a:ext uri="{0D108BD9-81ED-4DB2-BD59-A6C34878D82A}">
+                    <a16:rowId xmlns:a16="http://schemas.microsoft.com/office/drawing/2014/main" val="4276714201"/>
+                  </a:ext>
+                </a:extLst>
+              </a:tr>
+            </a:tbl>
+          </a:graphicData>
+        </a:graphic>
+      </p:graphicFrame>
+      <p:sp>
+        <p:nvSpPr>
+          <p:cNvPr id="27" name="正方形/長方形 26"/>
+          <p:cNvSpPr/>
+          <p:nvPr/>
+        </p:nvSpPr>
+        <p:spPr>
+          <a:xfrm>
+            <a:off x="4631039" y="4259313"/>
+            <a:ext cx="2972260" cy="1196120"/>
+          </a:xfrm>
+          <a:prstGeom prst="rect">
+            <a:avLst/>
+          </a:prstGeom>
+          <a:noFill/>
+          <a:ln w="38100">
+            <a:solidFill>
+              <a:srgbClr val="FF0000"/>
+            </a:solidFill>
+          </a:ln>
+        </p:spPr>
+        <p:style>
+          <a:lnRef idx="2">
+            <a:schemeClr val="accent1">
+              <a:shade val="50000"/>
+            </a:schemeClr>
+          </a:lnRef>
+          <a:fillRef idx="1">
+            <a:schemeClr val="accent1"/>
+          </a:fillRef>
+          <a:effectRef idx="0">
+            <a:schemeClr val="accent1"/>
+          </a:effectRef>
+          <a:fontRef idx="minor">
+            <a:schemeClr val="lt1"/>
+          </a:fontRef>
+        </p:style>
+        <p:txBody>
+          <a:bodyPr rtlCol="0" anchor="ctr"/>
+          <a:lstStyle/>
+          <a:p>
+            <a:pPr algn="ctr"/>
+            <a:endParaRPr kumimoji="1" lang="ja-JP" altLang="en-US"/>
+          </a:p>
+        </p:txBody>
+      </p:sp>
+      <p:sp>
+        <p:nvSpPr>
+          <p:cNvPr id="4" name="テキスト ボックス 3"/>
+          <p:cNvSpPr txBox="1"/>
+          <p:nvPr/>
+        </p:nvSpPr>
+        <p:spPr>
+          <a:xfrm>
+            <a:off x="5760005" y="3793065"/>
+            <a:ext cx="877163" cy="369332"/>
+          </a:xfrm>
+          <a:prstGeom prst="rect">
+            <a:avLst/>
+          </a:prstGeom>
+          <a:noFill/>
+        </p:spPr>
+        <p:txBody>
+          <a:bodyPr wrap="none" rtlCol="0">
+            <a:spAutoFit/>
+          </a:bodyPr>
+          <a:lstStyle/>
+          <a:p>
+            <a:r>
+              <a:rPr lang="ja-JP" altLang="en-US" b="1" dirty="0" smtClean="0">
+                <a:solidFill>
+                  <a:srgbClr val="FF0000"/>
+                </a:solidFill>
+              </a:rPr>
+              <a:t>整列</a:t>
+            </a:r>
+            <a:r>
+              <a:rPr lang="ja-JP" altLang="en-US" b="1" dirty="0">
+                <a:solidFill>
+                  <a:srgbClr val="FF0000"/>
+                </a:solidFill>
+              </a:rPr>
+              <a:t>済</a:t>
+            </a:r>
+            <a:endParaRPr kumimoji="1" lang="ja-JP" altLang="en-US" b="1" dirty="0">
+              <a:solidFill>
+                <a:srgbClr val="FF0000"/>
+              </a:solidFill>
+            </a:endParaRPr>
+          </a:p>
+        </p:txBody>
+      </p:sp>
+      <p:sp>
+        <p:nvSpPr>
+          <p:cNvPr id="36" name="正方形/長方形 35"/>
+          <p:cNvSpPr/>
+          <p:nvPr/>
+        </p:nvSpPr>
+        <p:spPr>
+          <a:xfrm>
+            <a:off x="7702002" y="4254081"/>
+            <a:ext cx="4084989" cy="1201351"/>
+          </a:xfrm>
+          <a:prstGeom prst="rect">
+            <a:avLst/>
+          </a:prstGeom>
+          <a:noFill/>
+          <a:ln w="38100">
+            <a:solidFill>
+              <a:srgbClr val="FF0000"/>
+            </a:solidFill>
+          </a:ln>
+        </p:spPr>
+        <p:style>
+          <a:lnRef idx="2">
+            <a:schemeClr val="accent1">
+              <a:shade val="50000"/>
+            </a:schemeClr>
+          </a:lnRef>
+          <a:fillRef idx="1">
+            <a:schemeClr val="accent1"/>
+          </a:fillRef>
+          <a:effectRef idx="0">
+            <a:schemeClr val="accent1"/>
+          </a:effectRef>
+          <a:fontRef idx="minor">
+            <a:schemeClr val="lt1"/>
+          </a:fontRef>
+        </p:style>
+        <p:txBody>
+          <a:bodyPr rtlCol="0" anchor="ctr"/>
+          <a:lstStyle/>
+          <a:p>
+            <a:pPr algn="ctr"/>
+            <a:endParaRPr kumimoji="1" lang="ja-JP" altLang="en-US"/>
+          </a:p>
+        </p:txBody>
+      </p:sp>
+      <p:sp>
+        <p:nvSpPr>
+          <p:cNvPr id="37" name="テキスト ボックス 36"/>
+          <p:cNvSpPr txBox="1"/>
+          <p:nvPr/>
+        </p:nvSpPr>
+        <p:spPr>
+          <a:xfrm>
+            <a:off x="9305914" y="3790449"/>
+            <a:ext cx="877163" cy="369332"/>
+          </a:xfrm>
+          <a:prstGeom prst="rect">
+            <a:avLst/>
+          </a:prstGeom>
+          <a:noFill/>
+        </p:spPr>
+        <p:txBody>
+          <a:bodyPr wrap="none" rtlCol="0">
+            <a:spAutoFit/>
+          </a:bodyPr>
+          <a:lstStyle/>
+          <a:p>
+            <a:r>
+              <a:rPr lang="ja-JP" altLang="en-US" b="1" dirty="0" smtClean="0">
+                <a:solidFill>
+                  <a:srgbClr val="FF0000"/>
+                </a:solidFill>
+              </a:rPr>
+              <a:t>未整列</a:t>
+            </a:r>
+            <a:endParaRPr kumimoji="1" lang="ja-JP" altLang="en-US" b="1" dirty="0">
+              <a:solidFill>
+                <a:srgbClr val="FF0000"/>
+              </a:solidFill>
+            </a:endParaRPr>
+          </a:p>
+        </p:txBody>
+      </p:sp>
+      <p:sp>
+        <p:nvSpPr>
+          <p:cNvPr id="38" name="正方形/長方形 37"/>
+          <p:cNvSpPr/>
+          <p:nvPr/>
+        </p:nvSpPr>
+        <p:spPr>
+          <a:xfrm>
+            <a:off x="7655671" y="4022489"/>
+            <a:ext cx="743124" cy="1659306"/>
+          </a:xfrm>
+          <a:prstGeom prst="rect">
+            <a:avLst/>
+          </a:prstGeom>
+          <a:noFill/>
+          <a:ln w="38100">
+            <a:solidFill>
+              <a:srgbClr val="FF0000"/>
+            </a:solidFill>
+          </a:ln>
+        </p:spPr>
+        <p:style>
+          <a:lnRef idx="2">
+            <a:schemeClr val="accent1">
+              <a:shade val="50000"/>
+            </a:schemeClr>
+          </a:lnRef>
+          <a:fillRef idx="1">
+            <a:schemeClr val="accent1"/>
+          </a:fillRef>
+          <a:effectRef idx="0">
+            <a:schemeClr val="accent1"/>
+          </a:effectRef>
+          <a:fontRef idx="minor">
+            <a:schemeClr val="lt1"/>
+          </a:fontRef>
+        </p:style>
+        <p:txBody>
+          <a:bodyPr rtlCol="0" anchor="ctr"/>
+          <a:lstStyle/>
+          <a:p>
+            <a:pPr algn="ctr"/>
+            <a:endParaRPr kumimoji="1" lang="ja-JP" altLang="en-US"/>
+          </a:p>
+        </p:txBody>
+      </p:sp>
+      <p:sp>
+        <p:nvSpPr>
+          <p:cNvPr id="39" name="テキスト ボックス 38"/>
+          <p:cNvSpPr txBox="1"/>
+          <p:nvPr/>
+        </p:nvSpPr>
+        <p:spPr>
+          <a:xfrm>
+            <a:off x="6808869" y="3049818"/>
+            <a:ext cx="2600392" cy="646331"/>
+          </a:xfrm>
+          <a:prstGeom prst="rect">
+            <a:avLst/>
+          </a:prstGeom>
+          <a:noFill/>
+        </p:spPr>
+        <p:txBody>
+          <a:bodyPr wrap="none" rtlCol="0">
+            <a:spAutoFit/>
+          </a:bodyPr>
+          <a:lstStyle/>
+          <a:p>
+            <a:r>
+              <a:rPr lang="ja-JP" altLang="en-US" b="1" dirty="0" smtClean="0">
+                <a:solidFill>
+                  <a:srgbClr val="FF0000"/>
+                </a:solidFill>
+              </a:rPr>
+              <a:t>未整列の先頭</a:t>
+            </a:r>
+            <a:endParaRPr lang="en-US" altLang="ja-JP" b="1" dirty="0" smtClean="0">
+              <a:solidFill>
+                <a:srgbClr val="FF0000"/>
+              </a:solidFill>
+            </a:endParaRPr>
+          </a:p>
+          <a:p>
+            <a:r>
+              <a:rPr kumimoji="1" lang="ja-JP" altLang="en-US" b="1" dirty="0" smtClean="0">
+                <a:solidFill>
+                  <a:srgbClr val="FF0000"/>
+                </a:solidFill>
+              </a:rPr>
+              <a:t>いったん、</a:t>
+            </a:r>
+            <a:r>
+              <a:rPr kumimoji="1" lang="en-US" altLang="ja-JP" b="1" dirty="0" smtClean="0">
+                <a:solidFill>
+                  <a:srgbClr val="FF0000"/>
+                </a:solidFill>
+              </a:rPr>
+              <a:t>Work</a:t>
+            </a:r>
+            <a:r>
+              <a:rPr kumimoji="1" lang="ja-JP" altLang="en-US" b="1" dirty="0" smtClean="0">
+                <a:solidFill>
+                  <a:srgbClr val="FF0000"/>
+                </a:solidFill>
+              </a:rPr>
+              <a:t>とする</a:t>
+            </a:r>
+            <a:endParaRPr kumimoji="1" lang="ja-JP" altLang="en-US" b="1" dirty="0">
+              <a:solidFill>
+                <a:srgbClr val="FF0000"/>
+              </a:solidFill>
+            </a:endParaRPr>
+          </a:p>
+        </p:txBody>
+      </p:sp>
+    </p:spTree>
+    <p:extLst>
+      <p:ext uri="{BB962C8B-B14F-4D97-AF65-F5344CB8AC3E}">
+        <p14:creationId xmlns:p14="http://schemas.microsoft.com/office/powerpoint/2010/main" val="3767905666"/>
+      </p:ext>
+    </p:extLst>
+  </p:cSld>
+  <p:clrMapOvr>
+    <a:masterClrMapping/>
+  </p:clrMapOvr>
+</p:sld>
+</file>
+
+<file path=ppt/slides/slide6.xml><?xml version="1.0" encoding="utf-8"?>
+<p:sld xmlns:a="http://schemas.openxmlformats.org/drawingml/2006/main" xmlns:r="http://schemas.openxmlformats.org/officeDocument/2006/relationships" xmlns:p="http://schemas.openxmlformats.org/presentationml/2006/main">
+  <p:cSld>
+    <p:spTree>
+      <p:nvGrpSpPr>
+        <p:cNvPr id="1" name=""/>
+        <p:cNvGrpSpPr/>
+        <p:nvPr/>
+      </p:nvGrpSpPr>
+      <p:grpSpPr>
+        <a:xfrm>
+          <a:off x="0" y="0"/>
+          <a:ext cx="0" cy="0"/>
+          <a:chOff x="0" y="0"/>
+          <a:chExt cx="0" cy="0"/>
+        </a:xfrm>
+      </p:grpSpPr>
+      <p:sp>
+        <p:nvSpPr>
+          <p:cNvPr id="2" name="タイトル 1"/>
+          <p:cNvSpPr>
+            <a:spLocks noGrp="1"/>
+          </p:cNvSpPr>
+          <p:nvPr>
+            <p:ph type="title"/>
+          </p:nvPr>
+        </p:nvSpPr>
+        <p:spPr/>
+        <p:txBody>
+          <a:bodyPr/>
+          <a:lstStyle/>
+          <a:p>
+            <a:r>
+              <a:rPr lang="ja-JP" altLang="en-US" dirty="0" smtClean="0"/>
+              <a:t>評価　（計算量）</a:t>
+            </a:r>
+            <a:endParaRPr kumimoji="1" lang="ja-JP" altLang="en-US" dirty="0"/>
+          </a:p>
+        </p:txBody>
+      </p:sp>
+      <p:sp>
+        <p:nvSpPr>
+          <p:cNvPr id="3" name="テキスト ボックス 2"/>
+          <p:cNvSpPr txBox="1"/>
+          <p:nvPr/>
+        </p:nvSpPr>
+        <p:spPr>
+          <a:xfrm>
+            <a:off x="159919" y="2279737"/>
+            <a:ext cx="11872161" cy="1077218"/>
+          </a:xfrm>
+          <a:prstGeom prst="rect">
+            <a:avLst/>
+          </a:prstGeom>
+          <a:noFill/>
+        </p:spPr>
+        <p:txBody>
+          <a:bodyPr wrap="none" rtlCol="0">
+            <a:spAutoFit/>
+          </a:bodyPr>
+          <a:lstStyle/>
+          <a:p>
+            <a:r>
+              <a:rPr kumimoji="1" lang="ja-JP" altLang="en-US" sz="3200" dirty="0" smtClean="0"/>
+              <a:t>平均ループ数は、</a:t>
+            </a:r>
+            <a:r>
+              <a:rPr kumimoji="1" lang="en-US" altLang="ja-JP" sz="3200" dirty="0" smtClean="0"/>
+              <a:t>(1 + 2 + 3 +  </a:t>
+            </a:r>
+            <a:r>
+              <a:rPr kumimoji="1" lang="ja-JP" altLang="en-US" sz="3200" dirty="0" smtClean="0"/>
+              <a:t>・・・  </a:t>
+            </a:r>
+            <a:r>
+              <a:rPr kumimoji="1" lang="en-US" altLang="ja-JP" sz="3200" dirty="0" smtClean="0"/>
+              <a:t>+ N-1)/2 = N/4  - N/4</a:t>
+            </a:r>
+          </a:p>
+          <a:p>
+            <a:r>
+              <a:rPr lang="ja-JP" altLang="en-US" sz="3200" dirty="0" smtClean="0"/>
+              <a:t>よって、</a:t>
+            </a:r>
+            <a:r>
+              <a:rPr lang="en-US" altLang="ja-JP" sz="3200" dirty="0" smtClean="0"/>
+              <a:t>O(N</a:t>
+            </a:r>
+            <a:r>
+              <a:rPr lang="ja-JP" altLang="en-US" sz="3200" dirty="0"/>
+              <a:t> </a:t>
+            </a:r>
+            <a:r>
+              <a:rPr lang="en-US" altLang="ja-JP" sz="3200" dirty="0" smtClean="0"/>
+              <a:t>)</a:t>
+            </a:r>
+            <a:r>
+              <a:rPr lang="ja-JP" altLang="en-US" sz="3200" dirty="0" smtClean="0"/>
+              <a:t>と評価できる。</a:t>
+            </a:r>
+            <a:endParaRPr kumimoji="1" lang="ja-JP" altLang="en-US" sz="3200" dirty="0"/>
+          </a:p>
+        </p:txBody>
+      </p:sp>
+      <p:sp>
+        <p:nvSpPr>
+          <p:cNvPr id="4" name="テキスト ボックス 3"/>
+          <p:cNvSpPr txBox="1"/>
+          <p:nvPr/>
+        </p:nvSpPr>
+        <p:spPr>
+          <a:xfrm>
+            <a:off x="9920612" y="2214425"/>
+            <a:ext cx="313151" cy="261610"/>
+          </a:xfrm>
+          <a:prstGeom prst="rect">
+            <a:avLst/>
+          </a:prstGeom>
+          <a:noFill/>
+        </p:spPr>
+        <p:txBody>
+          <a:bodyPr wrap="square" rtlCol="0">
+            <a:spAutoFit/>
+          </a:bodyPr>
+          <a:lstStyle/>
+          <a:p>
+            <a:r>
+              <a:rPr kumimoji="1" lang="en-US" altLang="ja-JP" sz="1100" dirty="0" smtClean="0"/>
+              <a:t>2</a:t>
+            </a:r>
+            <a:endParaRPr kumimoji="1" lang="ja-JP" altLang="en-US" sz="1100" dirty="0"/>
+          </a:p>
+        </p:txBody>
+      </p:sp>
+      <p:sp>
+        <p:nvSpPr>
+          <p:cNvPr id="5" name="テキスト ボックス 4"/>
+          <p:cNvSpPr txBox="1"/>
+          <p:nvPr/>
+        </p:nvSpPr>
+        <p:spPr>
+          <a:xfrm>
+            <a:off x="2532344" y="2753034"/>
+            <a:ext cx="313151" cy="261610"/>
+          </a:xfrm>
+          <a:prstGeom prst="rect">
+            <a:avLst/>
+          </a:prstGeom>
+          <a:noFill/>
+        </p:spPr>
+        <p:txBody>
+          <a:bodyPr wrap="square" rtlCol="0">
+            <a:spAutoFit/>
+          </a:bodyPr>
+          <a:lstStyle/>
+          <a:p>
+            <a:r>
+              <a:rPr kumimoji="1" lang="en-US" altLang="ja-JP" sz="1100" dirty="0" smtClean="0"/>
+              <a:t>2</a:t>
+            </a:r>
+            <a:endParaRPr kumimoji="1" lang="ja-JP" altLang="en-US" sz="1100" dirty="0"/>
+          </a:p>
+        </p:txBody>
+      </p:sp>
+    </p:spTree>
+    <p:extLst>
+      <p:ext uri="{BB962C8B-B14F-4D97-AF65-F5344CB8AC3E}">
+        <p14:creationId xmlns:p14="http://schemas.microsoft.com/office/powerpoint/2010/main" val="3681992366"/>
+      </p:ext>
+    </p:extLst>
+  </p:cSld>
+  <p:clrMapOvr>
+    <a:masterClrMapping/>
+  </p:clrMapOvr>
+</p:sld>
+</file>
+
+<file path=ppt/slides/slide7.xml><?xml version="1.0" encoding="utf-8"?>
+<p:sld xmlns:a="http://schemas.openxmlformats.org/drawingml/2006/main" xmlns:r="http://schemas.openxmlformats.org/officeDocument/2006/relationships" xmlns:p="http://schemas.openxmlformats.org/presentationml/2006/main">
+  <p:cSld>
+    <p:spTree>
+      <p:nvGrpSpPr>
+        <p:cNvPr id="1" name=""/>
+        <p:cNvGrpSpPr/>
+        <p:nvPr/>
+      </p:nvGrpSpPr>
+      <p:grpSpPr>
+        <a:xfrm>
+          <a:off x="0" y="0"/>
+          <a:ext cx="0" cy="0"/>
+          <a:chOff x="0" y="0"/>
+          <a:chExt cx="0" cy="0"/>
+        </a:xfrm>
+      </p:grpSpPr>
+      <p:sp>
+        <p:nvSpPr>
           <p:cNvPr id="2" name="タイトル 1"/>
           <p:cNvSpPr>
             <a:spLocks noGrp="1"/>
@@ -4752,10 +6000,6 @@
               <a:rPr kumimoji="1" lang="en-US" altLang="ja-JP" dirty="0" smtClean="0"/>
               <a:t>2-6</a:t>
             </a:r>
-            <a:r>
-              <a:rPr kumimoji="1" lang="en-US" altLang="ja-JP" dirty="0" smtClean="0"/>
-              <a:t/>
-            </a:r>
             <a:br>
               <a:rPr kumimoji="1" lang="en-US" altLang="ja-JP" dirty="0" smtClean="0"/>
             </a:br>
@@ -4793,6 +6037,600 @@
     <p:extLst>
       <p:ext uri="{BB962C8B-B14F-4D97-AF65-F5344CB8AC3E}">
         <p14:creationId xmlns:p14="http://schemas.microsoft.com/office/powerpoint/2010/main" val="3041200670"/>
+      </p:ext>
+    </p:extLst>
+  </p:cSld>
+  <p:clrMapOvr>
+    <a:masterClrMapping/>
+  </p:clrMapOvr>
+</p:sld>
+</file>
+
+<file path=ppt/slides/slide8.xml><?xml version="1.0" encoding="utf-8"?>
+<p:sld xmlns:a="http://schemas.openxmlformats.org/drawingml/2006/main" xmlns:r="http://schemas.openxmlformats.org/officeDocument/2006/relationships" xmlns:p="http://schemas.openxmlformats.org/presentationml/2006/main">
+  <p:cSld>
+    <p:spTree>
+      <p:nvGrpSpPr>
+        <p:cNvPr id="1" name=""/>
+        <p:cNvGrpSpPr/>
+        <p:nvPr/>
+      </p:nvGrpSpPr>
+      <p:grpSpPr>
+        <a:xfrm>
+          <a:off x="0" y="0"/>
+          <a:ext cx="0" cy="0"/>
+          <a:chOff x="0" y="0"/>
+          <a:chExt cx="0" cy="0"/>
+        </a:xfrm>
+      </p:grpSpPr>
+      <p:sp>
+        <p:nvSpPr>
+          <p:cNvPr id="2" name="タイトル 1"/>
+          <p:cNvSpPr>
+            <a:spLocks noGrp="1"/>
+          </p:cNvSpPr>
+          <p:nvPr>
+            <p:ph type="title"/>
+          </p:nvPr>
+        </p:nvSpPr>
+        <p:spPr/>
+        <p:txBody>
+          <a:bodyPr/>
+          <a:lstStyle/>
+          <a:p>
+            <a:r>
+              <a:rPr kumimoji="1" lang="en-US" altLang="ja-JP" dirty="0" smtClean="0"/>
+              <a:t>2-7</a:t>
+            </a:r>
+            <a:r>
+              <a:rPr kumimoji="1" lang="ja-JP" altLang="en-US" dirty="0" smtClean="0"/>
+              <a:t>　再帰</a:t>
+            </a:r>
+            <a:endParaRPr kumimoji="1" lang="ja-JP" altLang="en-US" dirty="0"/>
+          </a:p>
+        </p:txBody>
+      </p:sp>
+      <p:sp>
+        <p:nvSpPr>
+          <p:cNvPr id="3" name="テキスト ボックス 2"/>
+          <p:cNvSpPr txBox="1"/>
+          <p:nvPr/>
+        </p:nvSpPr>
+        <p:spPr>
+          <a:xfrm>
+            <a:off x="590917" y="1853852"/>
+            <a:ext cx="10762883" cy="3785652"/>
+          </a:xfrm>
+          <a:prstGeom prst="rect">
+            <a:avLst/>
+          </a:prstGeom>
+          <a:noFill/>
+        </p:spPr>
+        <p:txBody>
+          <a:bodyPr wrap="none" rtlCol="0">
+            <a:spAutoFit/>
+          </a:bodyPr>
+          <a:lstStyle/>
+          <a:p>
+            <a:r>
+              <a:rPr kumimoji="1" lang="ja-JP" altLang="en-US" sz="2400" dirty="0" smtClean="0"/>
+              <a:t>関数が　“自分自身の関数”を呼び出すことを、再帰呼び出しという。</a:t>
+            </a:r>
+            <a:endParaRPr kumimoji="1" lang="en-US" altLang="ja-JP" sz="2400" dirty="0" smtClean="0"/>
+          </a:p>
+          <a:p>
+            <a:r>
+              <a:rPr kumimoji="1" lang="en-US" altLang="ja-JP" sz="2400" dirty="0" smtClean="0"/>
+              <a:t>N! (N</a:t>
+            </a:r>
+            <a:r>
+              <a:rPr kumimoji="1" lang="ja-JP" altLang="en-US" sz="2400" dirty="0" smtClean="0"/>
+              <a:t>の階乗）がよく知られている。</a:t>
+            </a:r>
+            <a:endParaRPr kumimoji="1" lang="en-US" altLang="ja-JP" sz="2400" dirty="0" smtClean="0"/>
+          </a:p>
+          <a:p>
+            <a:endParaRPr lang="en-US" altLang="ja-JP" sz="2400" dirty="0"/>
+          </a:p>
+          <a:p>
+            <a:r>
+              <a:rPr kumimoji="1" lang="en-US" altLang="ja-JP" sz="2400" dirty="0" smtClean="0"/>
+              <a:t>N! </a:t>
+            </a:r>
+            <a:r>
+              <a:rPr kumimoji="1" lang="ja-JP" altLang="en-US" sz="2400" dirty="0" smtClean="0"/>
+              <a:t>＝　</a:t>
+            </a:r>
+            <a:r>
+              <a:rPr kumimoji="1" lang="en-US" altLang="ja-JP" sz="2400" dirty="0" smtClean="0"/>
+              <a:t>N</a:t>
+            </a:r>
+            <a:r>
+              <a:rPr lang="ja-JP" altLang="en-US" sz="2400" dirty="0"/>
+              <a:t> </a:t>
+            </a:r>
+            <a:r>
+              <a:rPr lang="en-US" altLang="ja-JP" sz="2400" dirty="0" smtClean="0"/>
+              <a:t>x (N-1) x (N-2) x (N-3) x     </a:t>
+            </a:r>
+            <a:r>
+              <a:rPr lang="en-US" altLang="ja-JP" sz="2400" dirty="0" err="1" smtClean="0"/>
+              <a:t>x</a:t>
+            </a:r>
+            <a:r>
+              <a:rPr lang="en-US" altLang="ja-JP" sz="2400" dirty="0" smtClean="0"/>
+              <a:t> 2 x 1</a:t>
+            </a:r>
+            <a:r>
+              <a:rPr lang="ja-JP" altLang="en-US" sz="2400" dirty="0" smtClean="0"/>
+              <a:t>　で表現される。</a:t>
+            </a:r>
+            <a:endParaRPr lang="en-US" altLang="ja-JP" sz="2400" dirty="0" smtClean="0"/>
+          </a:p>
+          <a:p>
+            <a:r>
+              <a:rPr kumimoji="1" lang="ja-JP" altLang="en-US" sz="2400" dirty="0" smtClean="0"/>
+              <a:t>（ただし、</a:t>
+            </a:r>
+            <a:r>
+              <a:rPr kumimoji="1" lang="en-US" altLang="ja-JP" sz="2400" dirty="0" smtClean="0"/>
+              <a:t>0! =</a:t>
+            </a:r>
+            <a:r>
+              <a:rPr kumimoji="1" lang="ja-JP" altLang="en-US" sz="2400" dirty="0" smtClean="0"/>
+              <a:t>１と考える）</a:t>
+            </a:r>
+            <a:endParaRPr kumimoji="1" lang="en-US" altLang="ja-JP" sz="2400" dirty="0" smtClean="0"/>
+          </a:p>
+          <a:p>
+            <a:endParaRPr lang="en-US" altLang="ja-JP" sz="2400" dirty="0"/>
+          </a:p>
+          <a:p>
+            <a:r>
+              <a:rPr kumimoji="1" lang="ja-JP" altLang="en-US" sz="2400" dirty="0" smtClean="0"/>
+              <a:t>これは、</a:t>
+            </a:r>
+            <a:r>
+              <a:rPr kumimoji="1" lang="en-US" altLang="ja-JP" sz="2400" dirty="0" smtClean="0"/>
+              <a:t>N!=</a:t>
+            </a:r>
+            <a:r>
+              <a:rPr kumimoji="1" lang="ja-JP" altLang="en-US" sz="2400" dirty="0" smtClean="0"/>
+              <a:t>　　</a:t>
+            </a:r>
+            <a:r>
+              <a:rPr kumimoji="1" lang="en-US" altLang="ja-JP" sz="2400" dirty="0" smtClean="0"/>
+              <a:t>N&gt; 0</a:t>
+            </a:r>
+            <a:r>
+              <a:rPr kumimoji="1" lang="ja-JP" altLang="en-US" sz="2400" dirty="0" smtClean="0"/>
+              <a:t>のとき　</a:t>
+            </a:r>
+            <a:r>
+              <a:rPr kumimoji="1" lang="en-US" altLang="ja-JP" sz="2400" dirty="0" smtClean="0"/>
+              <a:t>N x (N-1)!  </a:t>
+            </a:r>
+            <a:r>
+              <a:rPr lang="en-US" altLang="ja-JP" sz="2400" dirty="0"/>
+              <a:t> </a:t>
+            </a:r>
+            <a:r>
+              <a:rPr lang="en-US" altLang="ja-JP" sz="2400" dirty="0" smtClean="0"/>
+              <a:t>  ,   N=0</a:t>
+            </a:r>
+            <a:r>
+              <a:rPr lang="ja-JP" altLang="en-US" sz="2400" dirty="0" smtClean="0"/>
+              <a:t>のとき　１と考えられる</a:t>
+            </a:r>
+            <a:endParaRPr lang="en-US" altLang="ja-JP" sz="2400" dirty="0" smtClean="0"/>
+          </a:p>
+          <a:p>
+            <a:endParaRPr lang="en-US" altLang="ja-JP" sz="2400" dirty="0"/>
+          </a:p>
+          <a:p>
+            <a:r>
+              <a:rPr lang="ja-JP" altLang="en-US" sz="2400" dirty="0" smtClean="0"/>
+              <a:t>参考</a:t>
+            </a:r>
+            <a:r>
+              <a:rPr lang="en-US" altLang="ja-JP" sz="2400" dirty="0" smtClean="0"/>
+              <a:t>URL</a:t>
+            </a:r>
+          </a:p>
+          <a:p>
+            <a:r>
+              <a:rPr lang="en-US" altLang="ja-JP" sz="2400" dirty="0">
+                <a:hlinkClick r:id="rId2"/>
+              </a:rPr>
+              <a:t>http://e-words.jp/w/%E5%86%8D%E5%B8%B0.html</a:t>
+            </a:r>
+            <a:endParaRPr lang="en-US" altLang="ja-JP" sz="2400" dirty="0" smtClean="0"/>
+          </a:p>
+        </p:txBody>
+      </p:sp>
+    </p:spTree>
+    <p:extLst>
+      <p:ext uri="{BB962C8B-B14F-4D97-AF65-F5344CB8AC3E}">
+        <p14:creationId xmlns:p14="http://schemas.microsoft.com/office/powerpoint/2010/main" val="4269395741"/>
+      </p:ext>
+    </p:extLst>
+  </p:cSld>
+  <p:clrMapOvr>
+    <a:masterClrMapping/>
+  </p:clrMapOvr>
+</p:sld>
+</file>
+
+<file path=ppt/slides/slide9.xml><?xml version="1.0" encoding="utf-8"?>
+<p:sld xmlns:a="http://schemas.openxmlformats.org/drawingml/2006/main" xmlns:r="http://schemas.openxmlformats.org/officeDocument/2006/relationships" xmlns:p="http://schemas.openxmlformats.org/presentationml/2006/main">
+  <p:cSld>
+    <p:spTree>
+      <p:nvGrpSpPr>
+        <p:cNvPr id="1" name=""/>
+        <p:cNvGrpSpPr/>
+        <p:nvPr/>
+      </p:nvGrpSpPr>
+      <p:grpSpPr>
+        <a:xfrm>
+          <a:off x="0" y="0"/>
+          <a:ext cx="0" cy="0"/>
+          <a:chOff x="0" y="0"/>
+          <a:chExt cx="0" cy="0"/>
+        </a:xfrm>
+      </p:grpSpPr>
+      <p:sp>
+        <p:nvSpPr>
+          <p:cNvPr id="3" name="テキスト ボックス 2"/>
+          <p:cNvSpPr txBox="1"/>
+          <p:nvPr/>
+        </p:nvSpPr>
+        <p:spPr>
+          <a:xfrm>
+            <a:off x="237994" y="375781"/>
+            <a:ext cx="9028434" cy="4524315"/>
+          </a:xfrm>
+          <a:prstGeom prst="rect">
+            <a:avLst/>
+          </a:prstGeom>
+          <a:noFill/>
+        </p:spPr>
+        <p:txBody>
+          <a:bodyPr wrap="none" rtlCol="0">
+            <a:spAutoFit/>
+          </a:bodyPr>
+          <a:lstStyle/>
+          <a:p>
+            <a:r>
+              <a:rPr lang="ja-JP" altLang="en-US" sz="2400" dirty="0"/>
+              <a:t>○プログラム名：再帰呼び出し </a:t>
+            </a:r>
+            <a:r>
+              <a:rPr lang="en-US" altLang="ja-JP" sz="2400" dirty="0"/>
+              <a:t>/* </a:t>
+            </a:r>
+            <a:r>
+              <a:rPr lang="ja-JP" altLang="en-US" sz="2400" dirty="0"/>
+              <a:t>教科書 </a:t>
+            </a:r>
+            <a:r>
+              <a:rPr lang="en-US" altLang="ja-JP" sz="2400" dirty="0"/>
+              <a:t>102</a:t>
+            </a:r>
+            <a:r>
+              <a:rPr lang="ja-JP" altLang="en-US" sz="2400" dirty="0"/>
+              <a:t>ページサンプル *</a:t>
+            </a:r>
+            <a:r>
+              <a:rPr lang="en-US" altLang="ja-JP" sz="2400" dirty="0"/>
+              <a:t>/</a:t>
+            </a:r>
+          </a:p>
+          <a:p>
+            <a:r>
+              <a:rPr lang="en-US" altLang="ja-JP" sz="2400" dirty="0"/>
+              <a:t>○</a:t>
+            </a:r>
+            <a:r>
+              <a:rPr lang="ja-JP" altLang="en-US" sz="2400" dirty="0"/>
+              <a:t>整数型：</a:t>
+            </a:r>
+            <a:r>
+              <a:rPr lang="en-US" altLang="ja-JP" sz="2400" dirty="0"/>
+              <a:t>Ret</a:t>
+            </a:r>
+          </a:p>
+          <a:p>
+            <a:endParaRPr lang="en-US" altLang="ja-JP" sz="2400" dirty="0"/>
+          </a:p>
+          <a:p>
+            <a:r>
+              <a:rPr lang="en-US" altLang="ja-JP" sz="2400" dirty="0"/>
+              <a:t>●Ret ← Fact(5)</a:t>
+            </a:r>
+          </a:p>
+          <a:p>
+            <a:r>
+              <a:rPr lang="en-US" altLang="ja-JP" sz="2400" dirty="0"/>
+              <a:t>●</a:t>
+            </a:r>
+            <a:r>
+              <a:rPr lang="ja-JP" altLang="en-US" sz="2400" dirty="0"/>
+              <a:t>表示処理</a:t>
+            </a:r>
+            <a:r>
+              <a:rPr lang="en-US" altLang="ja-JP" sz="2400" dirty="0"/>
+              <a:t>(Ret)</a:t>
+            </a:r>
+          </a:p>
+          <a:p>
+            <a:endParaRPr lang="en-US" altLang="ja-JP" sz="2400" dirty="0"/>
+          </a:p>
+          <a:p>
+            <a:r>
+              <a:rPr lang="en-US" altLang="ja-JP" sz="2400" dirty="0"/>
+              <a:t>○</a:t>
+            </a:r>
+            <a:r>
+              <a:rPr lang="ja-JP" altLang="en-US" sz="2400" dirty="0"/>
+              <a:t>整数型：</a:t>
+            </a:r>
+            <a:r>
+              <a:rPr lang="en-US" altLang="ja-JP" sz="2400" dirty="0"/>
+              <a:t>Fact(</a:t>
+            </a:r>
+            <a:r>
+              <a:rPr lang="ja-JP" altLang="en-US" sz="2400" dirty="0"/>
+              <a:t>整数型：</a:t>
+            </a:r>
+            <a:r>
+              <a:rPr lang="en-US" altLang="ja-JP" sz="2400" dirty="0"/>
+              <a:t>N)</a:t>
+            </a:r>
+          </a:p>
+          <a:p>
+            <a:r>
+              <a:rPr lang="en-US" altLang="ja-JP" sz="2400" dirty="0"/>
+              <a:t>▲N = 0</a:t>
+            </a:r>
+          </a:p>
+          <a:p>
+            <a:r>
+              <a:rPr lang="ja-JP" altLang="en-US" sz="2400" dirty="0"/>
+              <a:t>｜ ●</a:t>
+            </a:r>
+            <a:r>
+              <a:rPr lang="en-US" altLang="ja-JP" sz="2400" dirty="0"/>
+              <a:t>return(1)</a:t>
+            </a:r>
+          </a:p>
+          <a:p>
+            <a:r>
+              <a:rPr lang="ja-JP" altLang="en-US" sz="2400" dirty="0"/>
+              <a:t>＋－－－－－－－－－</a:t>
+            </a:r>
+          </a:p>
+          <a:p>
+            <a:r>
+              <a:rPr lang="ja-JP" altLang="en-US" sz="2400" dirty="0"/>
+              <a:t>｜ ●</a:t>
+            </a:r>
+            <a:r>
+              <a:rPr lang="en-US" altLang="ja-JP" sz="2400" dirty="0"/>
+              <a:t>return(N) × Fact(N-1)</a:t>
+            </a:r>
+          </a:p>
+          <a:p>
+            <a:r>
+              <a:rPr lang="en-US" altLang="ja-JP" sz="2400" dirty="0"/>
+              <a:t>▼</a:t>
+            </a:r>
+            <a:endParaRPr kumimoji="1" lang="ja-JP" altLang="en-US" sz="2400" dirty="0"/>
+          </a:p>
+        </p:txBody>
+      </p:sp>
+      <p:sp>
+        <p:nvSpPr>
+          <p:cNvPr id="4" name="正方形/長方形 3"/>
+          <p:cNvSpPr/>
+          <p:nvPr/>
+        </p:nvSpPr>
+        <p:spPr>
+          <a:xfrm>
+            <a:off x="237993" y="2494314"/>
+            <a:ext cx="4922729" cy="2916930"/>
+          </a:xfrm>
+          <a:prstGeom prst="rect">
+            <a:avLst/>
+          </a:prstGeom>
+          <a:noFill/>
+          <a:ln w="38100">
+            <a:solidFill>
+              <a:srgbClr val="FF0000"/>
+            </a:solidFill>
+          </a:ln>
+        </p:spPr>
+        <p:style>
+          <a:lnRef idx="2">
+            <a:schemeClr val="accent1">
+              <a:shade val="50000"/>
+            </a:schemeClr>
+          </a:lnRef>
+          <a:fillRef idx="1">
+            <a:schemeClr val="accent1"/>
+          </a:fillRef>
+          <a:effectRef idx="0">
+            <a:schemeClr val="accent1"/>
+          </a:effectRef>
+          <a:fontRef idx="minor">
+            <a:schemeClr val="lt1"/>
+          </a:fontRef>
+        </p:style>
+        <p:txBody>
+          <a:bodyPr rtlCol="0" anchor="ctr"/>
+          <a:lstStyle/>
+          <a:p>
+            <a:pPr algn="ctr"/>
+            <a:endParaRPr kumimoji="1" lang="ja-JP" altLang="en-US"/>
+          </a:p>
+        </p:txBody>
+      </p:sp>
+      <p:sp>
+        <p:nvSpPr>
+          <p:cNvPr id="5" name="正方形/長方形 4"/>
+          <p:cNvSpPr/>
+          <p:nvPr/>
+        </p:nvSpPr>
+        <p:spPr>
+          <a:xfrm>
+            <a:off x="2785135" y="3974473"/>
+            <a:ext cx="1488328" cy="637193"/>
+          </a:xfrm>
+          <a:prstGeom prst="rect">
+            <a:avLst/>
+          </a:prstGeom>
+          <a:noFill/>
+          <a:ln w="38100">
+            <a:solidFill>
+              <a:srgbClr val="FF0000"/>
+            </a:solidFill>
+          </a:ln>
+        </p:spPr>
+        <p:style>
+          <a:lnRef idx="2">
+            <a:schemeClr val="accent1">
+              <a:shade val="50000"/>
+            </a:schemeClr>
+          </a:lnRef>
+          <a:fillRef idx="1">
+            <a:schemeClr val="accent1"/>
+          </a:fillRef>
+          <a:effectRef idx="0">
+            <a:schemeClr val="accent1"/>
+          </a:effectRef>
+          <a:fontRef idx="minor">
+            <a:schemeClr val="lt1"/>
+          </a:fontRef>
+        </p:style>
+        <p:txBody>
+          <a:bodyPr rtlCol="0" anchor="ctr"/>
+          <a:lstStyle/>
+          <a:p>
+            <a:pPr algn="ctr"/>
+            <a:endParaRPr kumimoji="1" lang="ja-JP" altLang="en-US"/>
+          </a:p>
+        </p:txBody>
+      </p:sp>
+      <p:sp>
+        <p:nvSpPr>
+          <p:cNvPr id="6" name="テキスト ボックス 5"/>
+          <p:cNvSpPr txBox="1"/>
+          <p:nvPr/>
+        </p:nvSpPr>
+        <p:spPr>
+          <a:xfrm>
+            <a:off x="5285982" y="2059953"/>
+            <a:ext cx="6527587" cy="3046988"/>
+          </a:xfrm>
+          <a:prstGeom prst="rect">
+            <a:avLst/>
+          </a:prstGeom>
+          <a:noFill/>
+        </p:spPr>
+        <p:txBody>
+          <a:bodyPr wrap="square" rtlCol="0">
+            <a:spAutoFit/>
+          </a:bodyPr>
+          <a:lstStyle/>
+          <a:p>
+            <a:r>
+              <a:rPr kumimoji="1" lang="ja-JP" altLang="en-US" sz="2400" dirty="0" smtClean="0"/>
+              <a:t>５ </a:t>
+            </a:r>
+            <a:r>
+              <a:rPr kumimoji="1" lang="en-US" altLang="ja-JP" sz="2400" dirty="0" smtClean="0"/>
+              <a:t>x</a:t>
+            </a:r>
+            <a:r>
+              <a:rPr lang="ja-JP" altLang="en-US" sz="2400" dirty="0"/>
+              <a:t> </a:t>
+            </a:r>
+            <a:r>
+              <a:rPr lang="ja-JP" altLang="en-US" sz="2400" dirty="0" smtClean="0"/>
+              <a:t> </a:t>
+            </a:r>
+            <a:r>
+              <a:rPr lang="en-US" altLang="ja-JP" sz="2400" dirty="0" smtClean="0"/>
+              <a:t>4  x  3  x  2  x  1  = 120</a:t>
+            </a:r>
+            <a:r>
+              <a:rPr lang="ja-JP" altLang="en-US" sz="2400" dirty="0" smtClean="0"/>
+              <a:t>が結果となる。</a:t>
+            </a:r>
+            <a:endParaRPr lang="en-US" altLang="ja-JP" sz="2400" dirty="0" smtClean="0"/>
+          </a:p>
+          <a:p>
+            <a:endParaRPr kumimoji="1" lang="en-US" altLang="ja-JP" sz="2400" dirty="0"/>
+          </a:p>
+          <a:p>
+            <a:r>
+              <a:rPr lang="ja-JP" altLang="en-US" sz="2400" dirty="0" smtClean="0"/>
+              <a:t>５ </a:t>
+            </a:r>
+            <a:r>
+              <a:rPr lang="en-US" altLang="ja-JP" sz="2400" dirty="0" smtClean="0"/>
+              <a:t>x Fact (4) </a:t>
+            </a:r>
+          </a:p>
+          <a:p>
+            <a:r>
+              <a:rPr kumimoji="1" lang="en-US" altLang="ja-JP" sz="2400" dirty="0"/>
+              <a:t> </a:t>
+            </a:r>
+            <a:r>
+              <a:rPr kumimoji="1" lang="en-US" altLang="ja-JP" sz="2400" dirty="0" smtClean="0"/>
+              <a:t>          4 x Fact(3)</a:t>
+            </a:r>
+          </a:p>
+          <a:p>
+            <a:r>
+              <a:rPr lang="en-US" altLang="ja-JP" sz="2400" dirty="0"/>
+              <a:t> </a:t>
+            </a:r>
+            <a:r>
+              <a:rPr lang="en-US" altLang="ja-JP" sz="2400" dirty="0" smtClean="0"/>
+              <a:t>                   3  x Fact(2)</a:t>
+            </a:r>
+          </a:p>
+          <a:p>
+            <a:r>
+              <a:rPr kumimoji="1" lang="en-US" altLang="ja-JP" sz="2400" dirty="0"/>
+              <a:t> </a:t>
+            </a:r>
+            <a:r>
+              <a:rPr kumimoji="1" lang="en-US" altLang="ja-JP" sz="2400" dirty="0" smtClean="0"/>
+              <a:t>                             2  x (Fact1)</a:t>
+            </a:r>
+          </a:p>
+          <a:p>
+            <a:r>
+              <a:rPr lang="en-US" altLang="ja-JP" sz="2400" dirty="0"/>
+              <a:t> </a:t>
+            </a:r>
+            <a:r>
+              <a:rPr lang="en-US" altLang="ja-JP" sz="2400" dirty="0" smtClean="0"/>
+              <a:t>                                          1   x   Fact(0)</a:t>
+            </a:r>
+            <a:endParaRPr kumimoji="1" lang="en-US" altLang="ja-JP" sz="2400" dirty="0" smtClean="0"/>
+          </a:p>
+          <a:p>
+            <a:endParaRPr kumimoji="1" lang="ja-JP" altLang="en-US" sz="2400" dirty="0"/>
+          </a:p>
+        </p:txBody>
+      </p:sp>
+    </p:spTree>
+    <p:extLst>
+      <p:ext uri="{BB962C8B-B14F-4D97-AF65-F5344CB8AC3E}">
+        <p14:creationId xmlns:p14="http://schemas.microsoft.com/office/powerpoint/2010/main" val="680069580"/>
       </p:ext>
     </p:extLst>
   </p:cSld>

--- a/docs/第12回挿入法による整列・再起処理.pptx
+++ b/docs/第12回挿入法による整列・再起処理.pptx
@@ -4,19 +4,26 @@
   <p:sldMasterIdLst>
     <p:sldMasterId id="2147483648" r:id="rId1"/>
   </p:sldMasterIdLst>
+  <p:handoutMasterIdLst>
+    <p:handoutMasterId r:id="rId15"/>
+  </p:handoutMasterIdLst>
   <p:sldIdLst>
     <p:sldId id="256" r:id="rId2"/>
     <p:sldId id="257" r:id="rId3"/>
     <p:sldId id="273" r:id="rId4"/>
-    <p:sldId id="274" r:id="rId5"/>
-    <p:sldId id="279" r:id="rId6"/>
-    <p:sldId id="280" r:id="rId7"/>
-    <p:sldId id="278" r:id="rId8"/>
-    <p:sldId id="281" r:id="rId9"/>
-    <p:sldId id="282" r:id="rId10"/>
+    <p:sldId id="283" r:id="rId5"/>
+    <p:sldId id="284" r:id="rId6"/>
+    <p:sldId id="286" r:id="rId7"/>
+    <p:sldId id="274" r:id="rId8"/>
+    <p:sldId id="279" r:id="rId9"/>
+    <p:sldId id="280" r:id="rId10"/>
+    <p:sldId id="278" r:id="rId11"/>
+    <p:sldId id="285" r:id="rId12"/>
+    <p:sldId id="281" r:id="rId13"/>
+    <p:sldId id="282" r:id="rId14"/>
   </p:sldIdLst>
   <p:sldSz cx="12192000" cy="6858000"/>
-  <p:notesSz cx="6858000" cy="9144000"/>
+  <p:notesSz cx="6735763" cy="9866313"/>
   <p:defaultTextStyle>
     <a:defPPr>
       <a:defRPr lang="ja-JP"/>
@@ -120,6 +127,171 @@
 </p:presentation>
 </file>
 
+<file path=ppt/handoutMasters/handoutMaster1.xml><?xml version="1.0" encoding="utf-8"?>
+<p:handoutMaster xmlns:a="http://schemas.openxmlformats.org/drawingml/2006/main" xmlns:r="http://schemas.openxmlformats.org/officeDocument/2006/relationships" xmlns:p="http://schemas.openxmlformats.org/presentationml/2006/main">
+  <p:cSld>
+    <p:bg>
+      <p:bgRef idx="1001">
+        <a:schemeClr val="bg1"/>
+      </p:bgRef>
+    </p:bg>
+    <p:spTree>
+      <p:nvGrpSpPr>
+        <p:cNvPr id="1" name=""/>
+        <p:cNvGrpSpPr/>
+        <p:nvPr/>
+      </p:nvGrpSpPr>
+      <p:grpSpPr>
+        <a:xfrm>
+          <a:off x="0" y="0"/>
+          <a:ext cx="0" cy="0"/>
+          <a:chOff x="0" y="0"/>
+          <a:chExt cx="0" cy="0"/>
+        </a:xfrm>
+      </p:grpSpPr>
+      <p:sp>
+        <p:nvSpPr>
+          <p:cNvPr id="2" name="ヘッダー プレースホルダー 1"/>
+          <p:cNvSpPr>
+            <a:spLocks noGrp="1"/>
+          </p:cNvSpPr>
+          <p:nvPr>
+            <p:ph type="hdr" sz="quarter"/>
+          </p:nvPr>
+        </p:nvSpPr>
+        <p:spPr>
+          <a:xfrm>
+            <a:off x="0" y="0"/>
+            <a:ext cx="2919413" cy="495300"/>
+          </a:xfrm>
+          <a:prstGeom prst="rect">
+            <a:avLst/>
+          </a:prstGeom>
+        </p:spPr>
+        <p:txBody>
+          <a:bodyPr vert="horz" lIns="91440" tIns="45720" rIns="91440" bIns="45720" rtlCol="0"/>
+          <a:lstStyle>
+            <a:lvl1pPr algn="l">
+              <a:defRPr sz="1200"/>
+            </a:lvl1pPr>
+          </a:lstStyle>
+          <a:p>
+            <a:endParaRPr kumimoji="1" lang="ja-JP" altLang="en-US"/>
+          </a:p>
+        </p:txBody>
+      </p:sp>
+      <p:sp>
+        <p:nvSpPr>
+          <p:cNvPr id="3" name="日付プレースホルダー 2"/>
+          <p:cNvSpPr>
+            <a:spLocks noGrp="1"/>
+          </p:cNvSpPr>
+          <p:nvPr>
+            <p:ph type="dt" sz="quarter" idx="1"/>
+          </p:nvPr>
+        </p:nvSpPr>
+        <p:spPr>
+          <a:xfrm>
+            <a:off x="3814763" y="0"/>
+            <a:ext cx="2919412" cy="495300"/>
+          </a:xfrm>
+          <a:prstGeom prst="rect">
+            <a:avLst/>
+          </a:prstGeom>
+        </p:spPr>
+        <p:txBody>
+          <a:bodyPr vert="horz" lIns="91440" tIns="45720" rIns="91440" bIns="45720" rtlCol="0"/>
+          <a:lstStyle>
+            <a:lvl1pPr algn="r">
+              <a:defRPr sz="1200"/>
+            </a:lvl1pPr>
+          </a:lstStyle>
+          <a:p>
+            <a:fld id="{ED311D06-F11E-46FE-99CF-86F2EA20FC48}" type="datetimeFigureOut">
+              <a:rPr kumimoji="1" lang="ja-JP" altLang="en-US" smtClean="0"/>
+              <a:t>2019/7/9</a:t>
+            </a:fld>
+            <a:endParaRPr kumimoji="1" lang="ja-JP" altLang="en-US"/>
+          </a:p>
+        </p:txBody>
+      </p:sp>
+      <p:sp>
+        <p:nvSpPr>
+          <p:cNvPr id="4" name="フッター プレースホルダー 3"/>
+          <p:cNvSpPr>
+            <a:spLocks noGrp="1"/>
+          </p:cNvSpPr>
+          <p:nvPr>
+            <p:ph type="ftr" sz="quarter" idx="2"/>
+          </p:nvPr>
+        </p:nvSpPr>
+        <p:spPr>
+          <a:xfrm>
+            <a:off x="0" y="9371013"/>
+            <a:ext cx="2919413" cy="495300"/>
+          </a:xfrm>
+          <a:prstGeom prst="rect">
+            <a:avLst/>
+          </a:prstGeom>
+        </p:spPr>
+        <p:txBody>
+          <a:bodyPr vert="horz" lIns="91440" tIns="45720" rIns="91440" bIns="45720" rtlCol="0" anchor="b"/>
+          <a:lstStyle>
+            <a:lvl1pPr algn="l">
+              <a:defRPr sz="1200"/>
+            </a:lvl1pPr>
+          </a:lstStyle>
+          <a:p>
+            <a:endParaRPr kumimoji="1" lang="ja-JP" altLang="en-US"/>
+          </a:p>
+        </p:txBody>
+      </p:sp>
+      <p:sp>
+        <p:nvSpPr>
+          <p:cNvPr id="5" name="スライド番号プレースホルダー 4"/>
+          <p:cNvSpPr>
+            <a:spLocks noGrp="1"/>
+          </p:cNvSpPr>
+          <p:nvPr>
+            <p:ph type="sldNum" sz="quarter" idx="3"/>
+          </p:nvPr>
+        </p:nvSpPr>
+        <p:spPr>
+          <a:xfrm>
+            <a:off x="3814763" y="9371013"/>
+            <a:ext cx="2919412" cy="495300"/>
+          </a:xfrm>
+          <a:prstGeom prst="rect">
+            <a:avLst/>
+          </a:prstGeom>
+        </p:spPr>
+        <p:txBody>
+          <a:bodyPr vert="horz" lIns="91440" tIns="45720" rIns="91440" bIns="45720" rtlCol="0" anchor="b"/>
+          <a:lstStyle>
+            <a:lvl1pPr algn="r">
+              <a:defRPr sz="1200"/>
+            </a:lvl1pPr>
+          </a:lstStyle>
+          <a:p>
+            <a:fld id="{1F4C96C9-E5E7-4848-9DD1-3FF91F784261}" type="slidenum">
+              <a:rPr kumimoji="1" lang="ja-JP" altLang="en-US" smtClean="0"/>
+              <a:t>‹#›</a:t>
+            </a:fld>
+            <a:endParaRPr kumimoji="1" lang="ja-JP" altLang="en-US"/>
+          </a:p>
+        </p:txBody>
+      </p:sp>
+    </p:spTree>
+    <p:extLst>
+      <p:ext uri="{BB962C8B-B14F-4D97-AF65-F5344CB8AC3E}">
+        <p14:creationId xmlns:p14="http://schemas.microsoft.com/office/powerpoint/2010/main" val="3350327656"/>
+      </p:ext>
+    </p:extLst>
+  </p:cSld>
+  <p:clrMap bg1="lt1" tx1="dk1" bg2="lt2" tx2="dk2" accent1="accent1" accent2="accent2" accent3="accent3" accent4="accent4" accent5="accent5" accent6="accent6" hlink="hlink" folHlink="folHlink"/>
+</p:handoutMaster>
+</file>
+
 <file path=ppt/slideLayouts/slideLayout1.xml><?xml version="1.0" encoding="utf-8"?>
 <p:sldLayout xmlns:a="http://schemas.openxmlformats.org/drawingml/2006/main" xmlns:r="http://schemas.openxmlformats.org/officeDocument/2006/relationships" xmlns:p="http://schemas.openxmlformats.org/presentationml/2006/main" type="title" preserve="1">
   <p:cSld name="タイトル スライド">
@@ -251,7 +423,7 @@
           <a:p>
             <a:fld id="{BC217E9B-DFCD-4DFE-B7ED-A5F6001EB7CB}" type="datetimeFigureOut">
               <a:rPr kumimoji="1" lang="ja-JP" altLang="en-US" smtClean="0"/>
-              <a:t>2019/5/27</a:t>
+              <a:t>2019/7/9</a:t>
             </a:fld>
             <a:endParaRPr kumimoji="1" lang="ja-JP" altLang="en-US"/>
           </a:p>
@@ -453,7 +625,7 @@
           <a:p>
             <a:fld id="{BC217E9B-DFCD-4DFE-B7ED-A5F6001EB7CB}" type="datetimeFigureOut">
               <a:rPr kumimoji="1" lang="ja-JP" altLang="en-US" smtClean="0"/>
-              <a:t>2019/5/27</a:t>
+              <a:t>2019/7/9</a:t>
             </a:fld>
             <a:endParaRPr kumimoji="1" lang="ja-JP" altLang="en-US"/>
           </a:p>
@@ -665,7 +837,7 @@
           <a:p>
             <a:fld id="{BC217E9B-DFCD-4DFE-B7ED-A5F6001EB7CB}" type="datetimeFigureOut">
               <a:rPr kumimoji="1" lang="ja-JP" altLang="en-US" smtClean="0"/>
-              <a:t>2019/5/27</a:t>
+              <a:t>2019/7/9</a:t>
             </a:fld>
             <a:endParaRPr kumimoji="1" lang="ja-JP" altLang="en-US"/>
           </a:p>
@@ -867,7 +1039,7 @@
           <a:p>
             <a:fld id="{BC217E9B-DFCD-4DFE-B7ED-A5F6001EB7CB}" type="datetimeFigureOut">
               <a:rPr kumimoji="1" lang="ja-JP" altLang="en-US" smtClean="0"/>
-              <a:t>2019/5/27</a:t>
+              <a:t>2019/7/9</a:t>
             </a:fld>
             <a:endParaRPr kumimoji="1" lang="ja-JP" altLang="en-US"/>
           </a:p>
@@ -1113,7 +1285,7 @@
           <a:p>
             <a:fld id="{BC217E9B-DFCD-4DFE-B7ED-A5F6001EB7CB}" type="datetimeFigureOut">
               <a:rPr kumimoji="1" lang="ja-JP" altLang="en-US" smtClean="0"/>
-              <a:t>2019/5/27</a:t>
+              <a:t>2019/7/9</a:t>
             </a:fld>
             <a:endParaRPr kumimoji="1" lang="ja-JP" altLang="en-US"/>
           </a:p>
@@ -1409,7 +1581,7 @@
           <a:p>
             <a:fld id="{BC217E9B-DFCD-4DFE-B7ED-A5F6001EB7CB}" type="datetimeFigureOut">
               <a:rPr kumimoji="1" lang="ja-JP" altLang="en-US" smtClean="0"/>
-              <a:t>2019/5/27</a:t>
+              <a:t>2019/7/9</a:t>
             </a:fld>
             <a:endParaRPr kumimoji="1" lang="ja-JP" altLang="en-US"/>
           </a:p>
@@ -1840,7 +2012,7 @@
           <a:p>
             <a:fld id="{BC217E9B-DFCD-4DFE-B7ED-A5F6001EB7CB}" type="datetimeFigureOut">
               <a:rPr kumimoji="1" lang="ja-JP" altLang="en-US" smtClean="0"/>
-              <a:t>2019/5/27</a:t>
+              <a:t>2019/7/9</a:t>
             </a:fld>
             <a:endParaRPr kumimoji="1" lang="ja-JP" altLang="en-US"/>
           </a:p>
@@ -1958,7 +2130,7 @@
           <a:p>
             <a:fld id="{BC217E9B-DFCD-4DFE-B7ED-A5F6001EB7CB}" type="datetimeFigureOut">
               <a:rPr kumimoji="1" lang="ja-JP" altLang="en-US" smtClean="0"/>
-              <a:t>2019/5/27</a:t>
+              <a:t>2019/7/9</a:t>
             </a:fld>
             <a:endParaRPr kumimoji="1" lang="ja-JP" altLang="en-US"/>
           </a:p>
@@ -2053,7 +2225,7 @@
           <a:p>
             <a:fld id="{BC217E9B-DFCD-4DFE-B7ED-A5F6001EB7CB}" type="datetimeFigureOut">
               <a:rPr kumimoji="1" lang="ja-JP" altLang="en-US" smtClean="0"/>
-              <a:t>2019/5/27</a:t>
+              <a:t>2019/7/9</a:t>
             </a:fld>
             <a:endParaRPr kumimoji="1" lang="ja-JP" altLang="en-US"/>
           </a:p>
@@ -2362,7 +2534,7 @@
           <a:p>
             <a:fld id="{BC217E9B-DFCD-4DFE-B7ED-A5F6001EB7CB}" type="datetimeFigureOut">
               <a:rPr kumimoji="1" lang="ja-JP" altLang="en-US" smtClean="0"/>
-              <a:t>2019/5/27</a:t>
+              <a:t>2019/7/9</a:t>
             </a:fld>
             <a:endParaRPr kumimoji="1" lang="ja-JP" altLang="en-US"/>
           </a:p>
@@ -2615,7 +2787,7 @@
           <a:p>
             <a:fld id="{BC217E9B-DFCD-4DFE-B7ED-A5F6001EB7CB}" type="datetimeFigureOut">
               <a:rPr kumimoji="1" lang="ja-JP" altLang="en-US" smtClean="0"/>
-              <a:t>2019/5/27</a:t>
+              <a:t>2019/7/9</a:t>
             </a:fld>
             <a:endParaRPr kumimoji="1" lang="ja-JP" altLang="en-US"/>
           </a:p>
@@ -2860,7 +3032,7 @@
           <a:p>
             <a:fld id="{BC217E9B-DFCD-4DFE-B7ED-A5F6001EB7CB}" type="datetimeFigureOut">
               <a:rPr kumimoji="1" lang="ja-JP" altLang="en-US" smtClean="0"/>
-              <a:t>2019/5/27</a:t>
+              <a:t>2019/7/9</a:t>
             </a:fld>
             <a:endParaRPr kumimoji="1" lang="ja-JP" altLang="en-US"/>
           </a:p>
@@ -3406,6 +3578,751 @@
 </p:sld>
 </file>
 
+<file path=ppt/slides/slide10.xml><?xml version="1.0" encoding="utf-8"?>
+<p:sld xmlns:a="http://schemas.openxmlformats.org/drawingml/2006/main" xmlns:r="http://schemas.openxmlformats.org/officeDocument/2006/relationships" xmlns:p="http://schemas.openxmlformats.org/presentationml/2006/main">
+  <p:cSld>
+    <p:spTree>
+      <p:nvGrpSpPr>
+        <p:cNvPr id="1" name=""/>
+        <p:cNvGrpSpPr/>
+        <p:nvPr/>
+      </p:nvGrpSpPr>
+      <p:grpSpPr>
+        <a:xfrm>
+          <a:off x="0" y="0"/>
+          <a:ext cx="0" cy="0"/>
+          <a:chOff x="0" y="0"/>
+          <a:chExt cx="0" cy="0"/>
+        </a:xfrm>
+      </p:grpSpPr>
+      <p:sp>
+        <p:nvSpPr>
+          <p:cNvPr id="2" name="タイトル 1"/>
+          <p:cNvSpPr>
+            <a:spLocks noGrp="1"/>
+          </p:cNvSpPr>
+          <p:nvPr>
+            <p:ph type="title"/>
+          </p:nvPr>
+        </p:nvSpPr>
+        <p:spPr>
+          <a:xfrm>
+            <a:off x="375243" y="2053889"/>
+            <a:ext cx="11638565" cy="2771329"/>
+          </a:xfrm>
+        </p:spPr>
+        <p:txBody>
+          <a:bodyPr>
+            <a:normAutofit fontScale="90000"/>
+          </a:bodyPr>
+          <a:lstStyle/>
+          <a:p>
+            <a:r>
+              <a:rPr kumimoji="1" lang="en-US" altLang="ja-JP" dirty="0" smtClean="0"/>
+              <a:t>Training</a:t>
+            </a:r>
+            <a:r>
+              <a:rPr kumimoji="1" lang="ja-JP" altLang="en-US" dirty="0" smtClean="0"/>
+              <a:t>　</a:t>
+            </a:r>
+            <a:r>
+              <a:rPr kumimoji="1" lang="en-US" altLang="ja-JP" dirty="0" smtClean="0"/>
+              <a:t>2-6</a:t>
+            </a:r>
+            <a:br>
+              <a:rPr kumimoji="1" lang="en-US" altLang="ja-JP" dirty="0" smtClean="0"/>
+            </a:br>
+            <a:r>
+              <a:rPr lang="en-US" altLang="ja-JP" dirty="0"/>
+              <a:t/>
+            </a:r>
+            <a:br>
+              <a:rPr lang="en-US" altLang="ja-JP" dirty="0"/>
+            </a:br>
+            <a:r>
+              <a:rPr lang="ja-JP" altLang="en-US" dirty="0" smtClean="0"/>
+              <a:t>計算を省略して高速化する</a:t>
+            </a:r>
+            <a:r>
+              <a:rPr lang="en-US" altLang="ja-JP" dirty="0" smtClean="0"/>
+              <a:t/>
+            </a:r>
+            <a:br>
+              <a:rPr lang="en-US" altLang="ja-JP" dirty="0" smtClean="0"/>
+            </a:br>
+            <a:r>
+              <a:rPr lang="en-US" altLang="ja-JP" dirty="0" err="1" smtClean="0"/>
+              <a:t>LastSwap</a:t>
+            </a:r>
+            <a:r>
+              <a:rPr lang="ja-JP" altLang="en-US" dirty="0" smtClean="0"/>
+              <a:t>した値の手前まで隣接交換すると考える。</a:t>
+            </a:r>
+            <a:endParaRPr kumimoji="1" lang="ja-JP" altLang="en-US" dirty="0"/>
+          </a:p>
+        </p:txBody>
+      </p:sp>
+    </p:spTree>
+    <p:extLst>
+      <p:ext uri="{BB962C8B-B14F-4D97-AF65-F5344CB8AC3E}">
+        <p14:creationId xmlns:p14="http://schemas.microsoft.com/office/powerpoint/2010/main" val="3041200670"/>
+      </p:ext>
+    </p:extLst>
+  </p:cSld>
+  <p:clrMapOvr>
+    <a:masterClrMapping/>
+  </p:clrMapOvr>
+</p:sld>
+</file>
+
+<file path=ppt/slides/slide11.xml><?xml version="1.0" encoding="utf-8"?>
+<p:sld xmlns:a="http://schemas.openxmlformats.org/drawingml/2006/main" xmlns:r="http://schemas.openxmlformats.org/officeDocument/2006/relationships" xmlns:p="http://schemas.openxmlformats.org/presentationml/2006/main">
+  <p:cSld>
+    <p:spTree>
+      <p:nvGrpSpPr>
+        <p:cNvPr id="1" name=""/>
+        <p:cNvGrpSpPr/>
+        <p:nvPr/>
+      </p:nvGrpSpPr>
+      <p:grpSpPr>
+        <a:xfrm>
+          <a:off x="0" y="0"/>
+          <a:ext cx="0" cy="0"/>
+          <a:chOff x="0" y="0"/>
+          <a:chExt cx="0" cy="0"/>
+        </a:xfrm>
+      </p:grpSpPr>
+      <p:pic>
+        <p:nvPicPr>
+          <p:cNvPr id="2" name="図 1"/>
+          <p:cNvPicPr>
+            <a:picLocks noChangeAspect="1"/>
+          </p:cNvPicPr>
+          <p:nvPr/>
+        </p:nvPicPr>
+        <p:blipFill>
+          <a:blip r:embed="rId2"/>
+          <a:stretch>
+            <a:fillRect/>
+          </a:stretch>
+        </p:blipFill>
+        <p:spPr>
+          <a:xfrm>
+            <a:off x="477838" y="18474"/>
+            <a:ext cx="11152262" cy="6821054"/>
+          </a:xfrm>
+          <a:prstGeom prst="rect">
+            <a:avLst/>
+          </a:prstGeom>
+        </p:spPr>
+      </p:pic>
+    </p:spTree>
+    <p:extLst>
+      <p:ext uri="{BB962C8B-B14F-4D97-AF65-F5344CB8AC3E}">
+        <p14:creationId xmlns:p14="http://schemas.microsoft.com/office/powerpoint/2010/main" val="393621828"/>
+      </p:ext>
+    </p:extLst>
+  </p:cSld>
+  <p:clrMapOvr>
+    <a:masterClrMapping/>
+  </p:clrMapOvr>
+</p:sld>
+</file>
+
+<file path=ppt/slides/slide12.xml><?xml version="1.0" encoding="utf-8"?>
+<p:sld xmlns:a="http://schemas.openxmlformats.org/drawingml/2006/main" xmlns:r="http://schemas.openxmlformats.org/officeDocument/2006/relationships" xmlns:p="http://schemas.openxmlformats.org/presentationml/2006/main">
+  <p:cSld>
+    <p:spTree>
+      <p:nvGrpSpPr>
+        <p:cNvPr id="1" name=""/>
+        <p:cNvGrpSpPr/>
+        <p:nvPr/>
+      </p:nvGrpSpPr>
+      <p:grpSpPr>
+        <a:xfrm>
+          <a:off x="0" y="0"/>
+          <a:ext cx="0" cy="0"/>
+          <a:chOff x="0" y="0"/>
+          <a:chExt cx="0" cy="0"/>
+        </a:xfrm>
+      </p:grpSpPr>
+      <p:sp>
+        <p:nvSpPr>
+          <p:cNvPr id="2" name="タイトル 1"/>
+          <p:cNvSpPr>
+            <a:spLocks noGrp="1"/>
+          </p:cNvSpPr>
+          <p:nvPr>
+            <p:ph type="title"/>
+          </p:nvPr>
+        </p:nvSpPr>
+        <p:spPr/>
+        <p:txBody>
+          <a:bodyPr/>
+          <a:lstStyle/>
+          <a:p>
+            <a:r>
+              <a:rPr kumimoji="1" lang="en-US" altLang="ja-JP" dirty="0" smtClean="0"/>
+              <a:t>2-7</a:t>
+            </a:r>
+            <a:r>
+              <a:rPr kumimoji="1" lang="ja-JP" altLang="en-US" dirty="0" smtClean="0"/>
+              <a:t>　再帰</a:t>
+            </a:r>
+            <a:endParaRPr kumimoji="1" lang="ja-JP" altLang="en-US" dirty="0"/>
+          </a:p>
+        </p:txBody>
+      </p:sp>
+      <p:sp>
+        <p:nvSpPr>
+          <p:cNvPr id="3" name="テキスト ボックス 2"/>
+          <p:cNvSpPr txBox="1"/>
+          <p:nvPr/>
+        </p:nvSpPr>
+        <p:spPr>
+          <a:xfrm>
+            <a:off x="590917" y="1853852"/>
+            <a:ext cx="10762883" cy="3785652"/>
+          </a:xfrm>
+          <a:prstGeom prst="rect">
+            <a:avLst/>
+          </a:prstGeom>
+          <a:noFill/>
+        </p:spPr>
+        <p:txBody>
+          <a:bodyPr wrap="none" rtlCol="0">
+            <a:spAutoFit/>
+          </a:bodyPr>
+          <a:lstStyle/>
+          <a:p>
+            <a:r>
+              <a:rPr kumimoji="1" lang="ja-JP" altLang="en-US" sz="2400" dirty="0" smtClean="0"/>
+              <a:t>関数が　“自分自身の関数”を呼び出すことを、再帰呼び出しという。</a:t>
+            </a:r>
+            <a:endParaRPr kumimoji="1" lang="en-US" altLang="ja-JP" sz="2400" dirty="0" smtClean="0"/>
+          </a:p>
+          <a:p>
+            <a:r>
+              <a:rPr kumimoji="1" lang="en-US" altLang="ja-JP" sz="2400" dirty="0" smtClean="0"/>
+              <a:t>N! (N</a:t>
+            </a:r>
+            <a:r>
+              <a:rPr kumimoji="1" lang="ja-JP" altLang="en-US" sz="2400" dirty="0" smtClean="0"/>
+              <a:t>の階乗）がよく知られている。</a:t>
+            </a:r>
+            <a:endParaRPr kumimoji="1" lang="en-US" altLang="ja-JP" sz="2400" dirty="0" smtClean="0"/>
+          </a:p>
+          <a:p>
+            <a:endParaRPr lang="en-US" altLang="ja-JP" sz="2400" dirty="0"/>
+          </a:p>
+          <a:p>
+            <a:r>
+              <a:rPr kumimoji="1" lang="en-US" altLang="ja-JP" sz="2400" dirty="0" smtClean="0"/>
+              <a:t>N! </a:t>
+            </a:r>
+            <a:r>
+              <a:rPr kumimoji="1" lang="ja-JP" altLang="en-US" sz="2400" dirty="0" smtClean="0"/>
+              <a:t>＝　</a:t>
+            </a:r>
+            <a:r>
+              <a:rPr kumimoji="1" lang="en-US" altLang="ja-JP" sz="2400" dirty="0" smtClean="0"/>
+              <a:t>N</a:t>
+            </a:r>
+            <a:r>
+              <a:rPr lang="ja-JP" altLang="en-US" sz="2400" dirty="0"/>
+              <a:t> </a:t>
+            </a:r>
+            <a:r>
+              <a:rPr lang="en-US" altLang="ja-JP" sz="2400" dirty="0" smtClean="0"/>
+              <a:t>x (N-1) x (N-2) x (N-3) x     </a:t>
+            </a:r>
+            <a:r>
+              <a:rPr lang="en-US" altLang="ja-JP" sz="2400" dirty="0" err="1" smtClean="0"/>
+              <a:t>x</a:t>
+            </a:r>
+            <a:r>
+              <a:rPr lang="en-US" altLang="ja-JP" sz="2400" dirty="0" smtClean="0"/>
+              <a:t> 2 x 1</a:t>
+            </a:r>
+            <a:r>
+              <a:rPr lang="ja-JP" altLang="en-US" sz="2400" dirty="0" smtClean="0"/>
+              <a:t>　で表現される。</a:t>
+            </a:r>
+            <a:endParaRPr lang="en-US" altLang="ja-JP" sz="2400" dirty="0" smtClean="0"/>
+          </a:p>
+          <a:p>
+            <a:r>
+              <a:rPr kumimoji="1" lang="ja-JP" altLang="en-US" sz="2400" dirty="0" smtClean="0"/>
+              <a:t>（ただし、</a:t>
+            </a:r>
+            <a:r>
+              <a:rPr kumimoji="1" lang="en-US" altLang="ja-JP" sz="2400" dirty="0" smtClean="0"/>
+              <a:t>0! =</a:t>
+            </a:r>
+            <a:r>
+              <a:rPr kumimoji="1" lang="ja-JP" altLang="en-US" sz="2400" dirty="0" smtClean="0"/>
+              <a:t>１と考える）</a:t>
+            </a:r>
+            <a:endParaRPr kumimoji="1" lang="en-US" altLang="ja-JP" sz="2400" dirty="0" smtClean="0"/>
+          </a:p>
+          <a:p>
+            <a:endParaRPr lang="en-US" altLang="ja-JP" sz="2400" dirty="0"/>
+          </a:p>
+          <a:p>
+            <a:r>
+              <a:rPr kumimoji="1" lang="ja-JP" altLang="en-US" sz="2400" dirty="0" smtClean="0"/>
+              <a:t>これは、</a:t>
+            </a:r>
+            <a:r>
+              <a:rPr kumimoji="1" lang="en-US" altLang="ja-JP" sz="2400" dirty="0" smtClean="0"/>
+              <a:t>N!=</a:t>
+            </a:r>
+            <a:r>
+              <a:rPr kumimoji="1" lang="ja-JP" altLang="en-US" sz="2400" dirty="0" smtClean="0"/>
+              <a:t>　　</a:t>
+            </a:r>
+            <a:r>
+              <a:rPr kumimoji="1" lang="en-US" altLang="ja-JP" sz="2400" dirty="0" smtClean="0"/>
+              <a:t>N&gt; 0</a:t>
+            </a:r>
+            <a:r>
+              <a:rPr kumimoji="1" lang="ja-JP" altLang="en-US" sz="2400" dirty="0" smtClean="0"/>
+              <a:t>のとき　</a:t>
+            </a:r>
+            <a:r>
+              <a:rPr kumimoji="1" lang="en-US" altLang="ja-JP" sz="2400" dirty="0" smtClean="0"/>
+              <a:t>N x (N-1)!  </a:t>
+            </a:r>
+            <a:r>
+              <a:rPr lang="en-US" altLang="ja-JP" sz="2400" dirty="0"/>
+              <a:t> </a:t>
+            </a:r>
+            <a:r>
+              <a:rPr lang="en-US" altLang="ja-JP" sz="2400" dirty="0" smtClean="0"/>
+              <a:t>  ,   N=0</a:t>
+            </a:r>
+            <a:r>
+              <a:rPr lang="ja-JP" altLang="en-US" sz="2400" dirty="0" smtClean="0"/>
+              <a:t>のとき　１と考えられる</a:t>
+            </a:r>
+            <a:endParaRPr lang="en-US" altLang="ja-JP" sz="2400" dirty="0" smtClean="0"/>
+          </a:p>
+          <a:p>
+            <a:endParaRPr lang="en-US" altLang="ja-JP" sz="2400" dirty="0"/>
+          </a:p>
+          <a:p>
+            <a:r>
+              <a:rPr lang="ja-JP" altLang="en-US" sz="2400" dirty="0" smtClean="0"/>
+              <a:t>参考</a:t>
+            </a:r>
+            <a:r>
+              <a:rPr lang="en-US" altLang="ja-JP" sz="2400" dirty="0" smtClean="0"/>
+              <a:t>URL</a:t>
+            </a:r>
+          </a:p>
+          <a:p>
+            <a:r>
+              <a:rPr lang="en-US" altLang="ja-JP" sz="2400" dirty="0">
+                <a:hlinkClick r:id="rId2"/>
+              </a:rPr>
+              <a:t>http://e-words.jp/w/%E5%86%8D%E5%B8%B0.html</a:t>
+            </a:r>
+            <a:endParaRPr lang="en-US" altLang="ja-JP" sz="2400" dirty="0" smtClean="0"/>
+          </a:p>
+        </p:txBody>
+      </p:sp>
+    </p:spTree>
+    <p:extLst>
+      <p:ext uri="{BB962C8B-B14F-4D97-AF65-F5344CB8AC3E}">
+        <p14:creationId xmlns:p14="http://schemas.microsoft.com/office/powerpoint/2010/main" val="4269395741"/>
+      </p:ext>
+    </p:extLst>
+  </p:cSld>
+  <p:clrMapOvr>
+    <a:masterClrMapping/>
+  </p:clrMapOvr>
+</p:sld>
+</file>
+
+<file path=ppt/slides/slide13.xml><?xml version="1.0" encoding="utf-8"?>
+<p:sld xmlns:a="http://schemas.openxmlformats.org/drawingml/2006/main" xmlns:r="http://schemas.openxmlformats.org/officeDocument/2006/relationships" xmlns:p="http://schemas.openxmlformats.org/presentationml/2006/main">
+  <p:cSld>
+    <p:spTree>
+      <p:nvGrpSpPr>
+        <p:cNvPr id="1" name=""/>
+        <p:cNvGrpSpPr/>
+        <p:nvPr/>
+      </p:nvGrpSpPr>
+      <p:grpSpPr>
+        <a:xfrm>
+          <a:off x="0" y="0"/>
+          <a:ext cx="0" cy="0"/>
+          <a:chOff x="0" y="0"/>
+          <a:chExt cx="0" cy="0"/>
+        </a:xfrm>
+      </p:grpSpPr>
+      <p:sp>
+        <p:nvSpPr>
+          <p:cNvPr id="3" name="テキスト ボックス 2"/>
+          <p:cNvSpPr txBox="1"/>
+          <p:nvPr/>
+        </p:nvSpPr>
+        <p:spPr>
+          <a:xfrm>
+            <a:off x="237994" y="375781"/>
+            <a:ext cx="9028434" cy="4524315"/>
+          </a:xfrm>
+          <a:prstGeom prst="rect">
+            <a:avLst/>
+          </a:prstGeom>
+          <a:noFill/>
+        </p:spPr>
+        <p:txBody>
+          <a:bodyPr wrap="none" rtlCol="0">
+            <a:spAutoFit/>
+          </a:bodyPr>
+          <a:lstStyle/>
+          <a:p>
+            <a:r>
+              <a:rPr lang="ja-JP" altLang="en-US" sz="2400" dirty="0"/>
+              <a:t>○プログラム名：再帰呼び出し </a:t>
+            </a:r>
+            <a:r>
+              <a:rPr lang="en-US" altLang="ja-JP" sz="2400" dirty="0"/>
+              <a:t>/* </a:t>
+            </a:r>
+            <a:r>
+              <a:rPr lang="ja-JP" altLang="en-US" sz="2400" dirty="0"/>
+              <a:t>教科書 </a:t>
+            </a:r>
+            <a:r>
+              <a:rPr lang="en-US" altLang="ja-JP" sz="2400" dirty="0"/>
+              <a:t>102</a:t>
+            </a:r>
+            <a:r>
+              <a:rPr lang="ja-JP" altLang="en-US" sz="2400" dirty="0"/>
+              <a:t>ページサンプル *</a:t>
+            </a:r>
+            <a:r>
+              <a:rPr lang="en-US" altLang="ja-JP" sz="2400" dirty="0"/>
+              <a:t>/</a:t>
+            </a:r>
+          </a:p>
+          <a:p>
+            <a:r>
+              <a:rPr lang="en-US" altLang="ja-JP" sz="2400" dirty="0"/>
+              <a:t>○</a:t>
+            </a:r>
+            <a:r>
+              <a:rPr lang="ja-JP" altLang="en-US" sz="2400" dirty="0"/>
+              <a:t>整数型：</a:t>
+            </a:r>
+            <a:r>
+              <a:rPr lang="en-US" altLang="ja-JP" sz="2400" dirty="0"/>
+              <a:t>Ret</a:t>
+            </a:r>
+          </a:p>
+          <a:p>
+            <a:endParaRPr lang="en-US" altLang="ja-JP" sz="2400" dirty="0"/>
+          </a:p>
+          <a:p>
+            <a:r>
+              <a:rPr lang="en-US" altLang="ja-JP" sz="2400" dirty="0"/>
+              <a:t>●Ret ← Fact(5)</a:t>
+            </a:r>
+          </a:p>
+          <a:p>
+            <a:r>
+              <a:rPr lang="en-US" altLang="ja-JP" sz="2400" dirty="0"/>
+              <a:t>●</a:t>
+            </a:r>
+            <a:r>
+              <a:rPr lang="ja-JP" altLang="en-US" sz="2400" dirty="0"/>
+              <a:t>表示処理</a:t>
+            </a:r>
+            <a:r>
+              <a:rPr lang="en-US" altLang="ja-JP" sz="2400" dirty="0"/>
+              <a:t>(Ret)</a:t>
+            </a:r>
+          </a:p>
+          <a:p>
+            <a:endParaRPr lang="en-US" altLang="ja-JP" sz="2400" dirty="0"/>
+          </a:p>
+          <a:p>
+            <a:r>
+              <a:rPr lang="en-US" altLang="ja-JP" sz="2400" dirty="0"/>
+              <a:t>○</a:t>
+            </a:r>
+            <a:r>
+              <a:rPr lang="ja-JP" altLang="en-US" sz="2400" dirty="0"/>
+              <a:t>整数型：</a:t>
+            </a:r>
+            <a:r>
+              <a:rPr lang="en-US" altLang="ja-JP" sz="2400" dirty="0"/>
+              <a:t>Fact(</a:t>
+            </a:r>
+            <a:r>
+              <a:rPr lang="ja-JP" altLang="en-US" sz="2400" dirty="0"/>
+              <a:t>整数型：</a:t>
+            </a:r>
+            <a:r>
+              <a:rPr lang="en-US" altLang="ja-JP" sz="2400" dirty="0"/>
+              <a:t>N)</a:t>
+            </a:r>
+          </a:p>
+          <a:p>
+            <a:r>
+              <a:rPr lang="en-US" altLang="ja-JP" sz="2400" dirty="0"/>
+              <a:t>▲N = 0</a:t>
+            </a:r>
+          </a:p>
+          <a:p>
+            <a:r>
+              <a:rPr lang="ja-JP" altLang="en-US" sz="2400" dirty="0"/>
+              <a:t>｜ ●</a:t>
+            </a:r>
+            <a:r>
+              <a:rPr lang="en-US" altLang="ja-JP" sz="2400" dirty="0"/>
+              <a:t>return(1)</a:t>
+            </a:r>
+          </a:p>
+          <a:p>
+            <a:r>
+              <a:rPr lang="ja-JP" altLang="en-US" sz="2400" dirty="0"/>
+              <a:t>＋－－－－－－－－－</a:t>
+            </a:r>
+          </a:p>
+          <a:p>
+            <a:r>
+              <a:rPr lang="ja-JP" altLang="en-US" sz="2400" dirty="0"/>
+              <a:t>｜ ●</a:t>
+            </a:r>
+            <a:r>
+              <a:rPr lang="en-US" altLang="ja-JP" sz="2400" dirty="0"/>
+              <a:t>return(N) × Fact(N-1)</a:t>
+            </a:r>
+          </a:p>
+          <a:p>
+            <a:r>
+              <a:rPr lang="en-US" altLang="ja-JP" sz="2400" dirty="0"/>
+              <a:t>▼</a:t>
+            </a:r>
+            <a:endParaRPr kumimoji="1" lang="ja-JP" altLang="en-US" sz="2400" dirty="0"/>
+          </a:p>
+        </p:txBody>
+      </p:sp>
+      <p:sp>
+        <p:nvSpPr>
+          <p:cNvPr id="4" name="正方形/長方形 3"/>
+          <p:cNvSpPr/>
+          <p:nvPr/>
+        </p:nvSpPr>
+        <p:spPr>
+          <a:xfrm>
+            <a:off x="237993" y="2494314"/>
+            <a:ext cx="4922729" cy="2916930"/>
+          </a:xfrm>
+          <a:prstGeom prst="rect">
+            <a:avLst/>
+          </a:prstGeom>
+          <a:noFill/>
+          <a:ln w="38100">
+            <a:solidFill>
+              <a:srgbClr val="FF0000"/>
+            </a:solidFill>
+          </a:ln>
+        </p:spPr>
+        <p:style>
+          <a:lnRef idx="2">
+            <a:schemeClr val="accent1">
+              <a:shade val="50000"/>
+            </a:schemeClr>
+          </a:lnRef>
+          <a:fillRef idx="1">
+            <a:schemeClr val="accent1"/>
+          </a:fillRef>
+          <a:effectRef idx="0">
+            <a:schemeClr val="accent1"/>
+          </a:effectRef>
+          <a:fontRef idx="minor">
+            <a:schemeClr val="lt1"/>
+          </a:fontRef>
+        </p:style>
+        <p:txBody>
+          <a:bodyPr rtlCol="0" anchor="ctr"/>
+          <a:lstStyle/>
+          <a:p>
+            <a:pPr algn="ctr"/>
+            <a:endParaRPr kumimoji="1" lang="ja-JP" altLang="en-US"/>
+          </a:p>
+        </p:txBody>
+      </p:sp>
+      <p:sp>
+        <p:nvSpPr>
+          <p:cNvPr id="5" name="正方形/長方形 4"/>
+          <p:cNvSpPr/>
+          <p:nvPr/>
+        </p:nvSpPr>
+        <p:spPr>
+          <a:xfrm>
+            <a:off x="2785135" y="3974473"/>
+            <a:ext cx="1488328" cy="637193"/>
+          </a:xfrm>
+          <a:prstGeom prst="rect">
+            <a:avLst/>
+          </a:prstGeom>
+          <a:noFill/>
+          <a:ln w="38100">
+            <a:solidFill>
+              <a:srgbClr val="FF0000"/>
+            </a:solidFill>
+          </a:ln>
+        </p:spPr>
+        <p:style>
+          <a:lnRef idx="2">
+            <a:schemeClr val="accent1">
+              <a:shade val="50000"/>
+            </a:schemeClr>
+          </a:lnRef>
+          <a:fillRef idx="1">
+            <a:schemeClr val="accent1"/>
+          </a:fillRef>
+          <a:effectRef idx="0">
+            <a:schemeClr val="accent1"/>
+          </a:effectRef>
+          <a:fontRef idx="minor">
+            <a:schemeClr val="lt1"/>
+          </a:fontRef>
+        </p:style>
+        <p:txBody>
+          <a:bodyPr rtlCol="0" anchor="ctr"/>
+          <a:lstStyle/>
+          <a:p>
+            <a:pPr algn="ctr"/>
+            <a:endParaRPr kumimoji="1" lang="ja-JP" altLang="en-US"/>
+          </a:p>
+        </p:txBody>
+      </p:sp>
+      <p:sp>
+        <p:nvSpPr>
+          <p:cNvPr id="6" name="テキスト ボックス 5"/>
+          <p:cNvSpPr txBox="1"/>
+          <p:nvPr/>
+        </p:nvSpPr>
+        <p:spPr>
+          <a:xfrm>
+            <a:off x="5285982" y="2059953"/>
+            <a:ext cx="6527587" cy="3046988"/>
+          </a:xfrm>
+          <a:prstGeom prst="rect">
+            <a:avLst/>
+          </a:prstGeom>
+          <a:noFill/>
+        </p:spPr>
+        <p:txBody>
+          <a:bodyPr wrap="square" rtlCol="0">
+            <a:spAutoFit/>
+          </a:bodyPr>
+          <a:lstStyle/>
+          <a:p>
+            <a:r>
+              <a:rPr kumimoji="1" lang="ja-JP" altLang="en-US" sz="2400" dirty="0" smtClean="0"/>
+              <a:t>５ </a:t>
+            </a:r>
+            <a:r>
+              <a:rPr kumimoji="1" lang="en-US" altLang="ja-JP" sz="2400" dirty="0" smtClean="0"/>
+              <a:t>x</a:t>
+            </a:r>
+            <a:r>
+              <a:rPr lang="ja-JP" altLang="en-US" sz="2400" dirty="0"/>
+              <a:t> </a:t>
+            </a:r>
+            <a:r>
+              <a:rPr lang="ja-JP" altLang="en-US" sz="2400" dirty="0" smtClean="0"/>
+              <a:t> </a:t>
+            </a:r>
+            <a:r>
+              <a:rPr lang="en-US" altLang="ja-JP" sz="2400" dirty="0" smtClean="0"/>
+              <a:t>4  x  3  x  2  x  1  = 120</a:t>
+            </a:r>
+            <a:r>
+              <a:rPr lang="ja-JP" altLang="en-US" sz="2400" dirty="0" smtClean="0"/>
+              <a:t>が結果となる。</a:t>
+            </a:r>
+            <a:endParaRPr lang="en-US" altLang="ja-JP" sz="2400" dirty="0" smtClean="0"/>
+          </a:p>
+          <a:p>
+            <a:endParaRPr kumimoji="1" lang="en-US" altLang="ja-JP" sz="2400" dirty="0"/>
+          </a:p>
+          <a:p>
+            <a:r>
+              <a:rPr lang="ja-JP" altLang="en-US" sz="2400" dirty="0" smtClean="0"/>
+              <a:t>５ </a:t>
+            </a:r>
+            <a:r>
+              <a:rPr lang="en-US" altLang="ja-JP" sz="2400" dirty="0" smtClean="0"/>
+              <a:t>x Fact (4) </a:t>
+            </a:r>
+          </a:p>
+          <a:p>
+            <a:r>
+              <a:rPr kumimoji="1" lang="en-US" altLang="ja-JP" sz="2400" dirty="0"/>
+              <a:t> </a:t>
+            </a:r>
+            <a:r>
+              <a:rPr kumimoji="1" lang="en-US" altLang="ja-JP" sz="2400" dirty="0" smtClean="0"/>
+              <a:t>          4 x Fact(3)</a:t>
+            </a:r>
+          </a:p>
+          <a:p>
+            <a:r>
+              <a:rPr lang="en-US" altLang="ja-JP" sz="2400" dirty="0"/>
+              <a:t> </a:t>
+            </a:r>
+            <a:r>
+              <a:rPr lang="en-US" altLang="ja-JP" sz="2400" dirty="0" smtClean="0"/>
+              <a:t>                   3  x Fact(2)</a:t>
+            </a:r>
+          </a:p>
+          <a:p>
+            <a:r>
+              <a:rPr kumimoji="1" lang="en-US" altLang="ja-JP" sz="2400" dirty="0"/>
+              <a:t> </a:t>
+            </a:r>
+            <a:r>
+              <a:rPr kumimoji="1" lang="en-US" altLang="ja-JP" sz="2400" dirty="0" smtClean="0"/>
+              <a:t>                             2  x (Fact1)</a:t>
+            </a:r>
+          </a:p>
+          <a:p>
+            <a:r>
+              <a:rPr lang="en-US" altLang="ja-JP" sz="2400" dirty="0"/>
+              <a:t> </a:t>
+            </a:r>
+            <a:r>
+              <a:rPr lang="en-US" altLang="ja-JP" sz="2400" dirty="0" smtClean="0"/>
+              <a:t>                                          1   x   Fact(0)</a:t>
+            </a:r>
+            <a:endParaRPr kumimoji="1" lang="en-US" altLang="ja-JP" sz="2400" dirty="0" smtClean="0"/>
+          </a:p>
+          <a:p>
+            <a:endParaRPr kumimoji="1" lang="ja-JP" altLang="en-US" sz="2400" dirty="0"/>
+          </a:p>
+        </p:txBody>
+      </p:sp>
+    </p:spTree>
+    <p:extLst>
+      <p:ext uri="{BB962C8B-B14F-4D97-AF65-F5344CB8AC3E}">
+        <p14:creationId xmlns:p14="http://schemas.microsoft.com/office/powerpoint/2010/main" val="680069580"/>
+      </p:ext>
+    </p:extLst>
+  </p:cSld>
+  <p:clrMapOvr>
+    <a:masterClrMapping/>
+  </p:clrMapOvr>
+</p:sld>
+</file>
+
 <file path=ppt/slides/slide2.xml><?xml version="1.0" encoding="utf-8"?>
 <p:sld xmlns:a="http://schemas.openxmlformats.org/drawingml/2006/main" xmlns:r="http://schemas.openxmlformats.org/officeDocument/2006/relationships" xmlns:p="http://schemas.openxmlformats.org/presentationml/2006/main">
   <p:cSld>
@@ -3575,11 +4492,7 @@
             </a:r>
             <a:r>
               <a:rPr lang="ja-JP" altLang="en-US" sz="3600" dirty="0" smtClean="0"/>
-              <a:t>整列）</a:t>
-            </a:r>
-            <a:r>
-              <a:rPr lang="ja-JP" altLang="en-US" sz="3600" dirty="0" smtClean="0"/>
-              <a:t>挿入法（</a:t>
+              <a:t>整列）挿入法（</a:t>
             </a:r>
             <a:r>
               <a:rPr lang="en-US" altLang="ja-JP" sz="3600" dirty="0" smtClean="0"/>
@@ -3605,8 +4518,8 @@
         </p:nvSpPr>
         <p:spPr>
           <a:xfrm>
-            <a:off x="1551405" y="2898295"/>
-            <a:ext cx="9417963" cy="1200329"/>
+            <a:off x="103163" y="2445713"/>
+            <a:ext cx="11726287" cy="1477328"/>
           </a:xfrm>
           <a:prstGeom prst="rect">
             <a:avLst/>
@@ -3620,44 +4533,28 @@
           <a:lstStyle/>
           <a:p>
             <a:r>
-              <a:rPr kumimoji="1" lang="ja-JP" altLang="en-US" sz="2400" dirty="0" smtClean="0"/>
+              <a:rPr kumimoji="1" lang="ja-JP" altLang="en-US" sz="3000" dirty="0" smtClean="0"/>
               <a:t>配列へのデータ挿入について</a:t>
             </a:r>
-            <a:endParaRPr kumimoji="1" lang="en-US" altLang="ja-JP" sz="2400" dirty="0" smtClean="0"/>
-          </a:p>
-          <a:p>
-            <a:r>
-              <a:rPr lang="ja-JP" altLang="en-US" sz="2400" dirty="0"/>
+            <a:endParaRPr kumimoji="1" lang="en-US" altLang="ja-JP" sz="3000" dirty="0" smtClean="0"/>
+          </a:p>
+          <a:p>
+            <a:r>
+              <a:rPr lang="ja-JP" altLang="en-US" sz="3000" dirty="0"/>
               <a:t>・</a:t>
             </a:r>
             <a:r>
-              <a:rPr lang="ja-JP" altLang="en-US" sz="2400" dirty="0" smtClean="0"/>
-              <a:t>末尾側</a:t>
-            </a:r>
-            <a:r>
-              <a:rPr lang="ja-JP" altLang="en-US" sz="2400" dirty="0" smtClean="0"/>
-              <a:t>からコピーしていく必要がある。</a:t>
-            </a:r>
-            <a:endParaRPr lang="en-US" altLang="ja-JP" sz="2400" dirty="0" smtClean="0"/>
-          </a:p>
-          <a:p>
-            <a:r>
-              <a:rPr lang="ja-JP" altLang="en-US" sz="2400" dirty="0" smtClean="0"/>
-              <a:t>・データが上書きされるのでいったん</a:t>
-            </a:r>
-            <a:r>
-              <a:rPr lang="ja-JP" altLang="en-US" sz="2400" dirty="0" smtClean="0"/>
-              <a:t>退避</a:t>
-            </a:r>
-            <a:r>
-              <a:rPr lang="ja-JP" altLang="en-US" sz="2400" dirty="0" smtClean="0"/>
-              <a:t>させておく必要</a:t>
-            </a:r>
-            <a:r>
-              <a:rPr lang="ja-JP" altLang="en-US" sz="2400" dirty="0" smtClean="0"/>
-              <a:t>がある。</a:t>
-            </a:r>
-            <a:endParaRPr lang="en-US" altLang="ja-JP" sz="2400" dirty="0"/>
+              <a:rPr lang="ja-JP" altLang="en-US" sz="3000" dirty="0" smtClean="0"/>
+              <a:t>末尾側からコピーしていく必要がある。</a:t>
+            </a:r>
+            <a:endParaRPr lang="en-US" altLang="ja-JP" sz="3000" dirty="0" smtClean="0"/>
+          </a:p>
+          <a:p>
+            <a:r>
+              <a:rPr lang="ja-JP" altLang="en-US" sz="3000" dirty="0" smtClean="0"/>
+              <a:t>・データが上書きされるのでいったん退避させておく必要がある。</a:t>
+            </a:r>
+            <a:endParaRPr lang="en-US" altLang="ja-JP" sz="3000" dirty="0"/>
           </a:p>
         </p:txBody>
       </p:sp>
@@ -3691,6 +4588,168 @@
           <a:chExt cx="0" cy="0"/>
         </a:xfrm>
       </p:grpSpPr>
+      <p:pic>
+        <p:nvPicPr>
+          <p:cNvPr id="2" name="図 1"/>
+          <p:cNvPicPr>
+            <a:picLocks noChangeAspect="1"/>
+          </p:cNvPicPr>
+          <p:nvPr/>
+        </p:nvPicPr>
+        <p:blipFill>
+          <a:blip r:embed="rId2"/>
+          <a:stretch>
+            <a:fillRect/>
+          </a:stretch>
+        </p:blipFill>
+        <p:spPr>
+          <a:xfrm>
+            <a:off x="1809170" y="385616"/>
+            <a:ext cx="8323118" cy="6165273"/>
+          </a:xfrm>
+          <a:prstGeom prst="rect">
+            <a:avLst/>
+          </a:prstGeom>
+        </p:spPr>
+      </p:pic>
+    </p:spTree>
+    <p:extLst>
+      <p:ext uri="{BB962C8B-B14F-4D97-AF65-F5344CB8AC3E}">
+        <p14:creationId xmlns:p14="http://schemas.microsoft.com/office/powerpoint/2010/main" val="1484492497"/>
+      </p:ext>
+    </p:extLst>
+  </p:cSld>
+  <p:clrMapOvr>
+    <a:masterClrMapping/>
+  </p:clrMapOvr>
+</p:sld>
+</file>
+
+<file path=ppt/slides/slide5.xml><?xml version="1.0" encoding="utf-8"?>
+<p:sld xmlns:a="http://schemas.openxmlformats.org/drawingml/2006/main" xmlns:r="http://schemas.openxmlformats.org/officeDocument/2006/relationships" xmlns:p="http://schemas.openxmlformats.org/presentationml/2006/main">
+  <p:cSld>
+    <p:spTree>
+      <p:nvGrpSpPr>
+        <p:cNvPr id="1" name=""/>
+        <p:cNvGrpSpPr/>
+        <p:nvPr/>
+      </p:nvGrpSpPr>
+      <p:grpSpPr>
+        <a:xfrm>
+          <a:off x="0" y="0"/>
+          <a:ext cx="0" cy="0"/>
+          <a:chOff x="0" y="0"/>
+          <a:chExt cx="0" cy="0"/>
+        </a:xfrm>
+      </p:grpSpPr>
+      <p:pic>
+        <p:nvPicPr>
+          <p:cNvPr id="2" name="図 1"/>
+          <p:cNvPicPr>
+            <a:picLocks noChangeAspect="1"/>
+          </p:cNvPicPr>
+          <p:nvPr/>
+        </p:nvPicPr>
+        <p:blipFill>
+          <a:blip r:embed="rId2"/>
+          <a:stretch>
+            <a:fillRect/>
+          </a:stretch>
+        </p:blipFill>
+        <p:spPr>
+          <a:xfrm>
+            <a:off x="2299998" y="326880"/>
+            <a:ext cx="6493020" cy="5722843"/>
+          </a:xfrm>
+          <a:prstGeom prst="rect">
+            <a:avLst/>
+          </a:prstGeom>
+        </p:spPr>
+      </p:pic>
+    </p:spTree>
+    <p:extLst>
+      <p:ext uri="{BB962C8B-B14F-4D97-AF65-F5344CB8AC3E}">
+        <p14:creationId xmlns:p14="http://schemas.microsoft.com/office/powerpoint/2010/main" val="78022391"/>
+      </p:ext>
+    </p:extLst>
+  </p:cSld>
+  <p:clrMapOvr>
+    <a:masterClrMapping/>
+  </p:clrMapOvr>
+</p:sld>
+</file>
+
+<file path=ppt/slides/slide6.xml><?xml version="1.0" encoding="utf-8"?>
+<p:sld xmlns:a="http://schemas.openxmlformats.org/drawingml/2006/main" xmlns:r="http://schemas.openxmlformats.org/officeDocument/2006/relationships" xmlns:p="http://schemas.openxmlformats.org/presentationml/2006/main">
+  <p:cSld>
+    <p:spTree>
+      <p:nvGrpSpPr>
+        <p:cNvPr id="1" name=""/>
+        <p:cNvGrpSpPr/>
+        <p:nvPr/>
+      </p:nvGrpSpPr>
+      <p:grpSpPr>
+        <a:xfrm>
+          <a:off x="0" y="0"/>
+          <a:ext cx="0" cy="0"/>
+          <a:chOff x="0" y="0"/>
+          <a:chExt cx="0" cy="0"/>
+        </a:xfrm>
+      </p:grpSpPr>
+      <p:pic>
+        <p:nvPicPr>
+          <p:cNvPr id="2" name="図 1"/>
+          <p:cNvPicPr>
+            <a:picLocks noChangeAspect="1"/>
+          </p:cNvPicPr>
+          <p:nvPr/>
+        </p:nvPicPr>
+        <p:blipFill>
+          <a:blip r:embed="rId2"/>
+          <a:stretch>
+            <a:fillRect/>
+          </a:stretch>
+        </p:blipFill>
+        <p:spPr>
+          <a:xfrm>
+            <a:off x="1880465" y="448252"/>
+            <a:ext cx="8334953" cy="5953538"/>
+          </a:xfrm>
+          <a:prstGeom prst="rect">
+            <a:avLst/>
+          </a:prstGeom>
+        </p:spPr>
+      </p:pic>
+    </p:spTree>
+    <p:extLst>
+      <p:ext uri="{BB962C8B-B14F-4D97-AF65-F5344CB8AC3E}">
+        <p14:creationId xmlns:p14="http://schemas.microsoft.com/office/powerpoint/2010/main" val="2914245886"/>
+      </p:ext>
+    </p:extLst>
+  </p:cSld>
+  <p:clrMapOvr>
+    <a:masterClrMapping/>
+  </p:clrMapOvr>
+</p:sld>
+</file>
+
+<file path=ppt/slides/slide7.xml><?xml version="1.0" encoding="utf-8"?>
+<p:sld xmlns:a="http://schemas.openxmlformats.org/drawingml/2006/main" xmlns:r="http://schemas.openxmlformats.org/officeDocument/2006/relationships" xmlns:p="http://schemas.openxmlformats.org/presentationml/2006/main">
+  <p:cSld>
+    <p:spTree>
+      <p:nvGrpSpPr>
+        <p:cNvPr id="1" name=""/>
+        <p:cNvGrpSpPr/>
+        <p:nvPr/>
+      </p:nvGrpSpPr>
+      <p:grpSpPr>
+        <a:xfrm>
+          <a:off x="0" y="0"/>
+          <a:ext cx="0" cy="0"/>
+          <a:chOff x="0" y="0"/>
+          <a:chExt cx="0" cy="0"/>
+        </a:xfrm>
+      </p:grpSpPr>
       <p:sp>
         <p:nvSpPr>
           <p:cNvPr id="3" name="テキスト ボックス 2"/>
@@ -3781,9 +4840,18 @@
               <a:t>整数型：</a:t>
             </a:r>
             <a:r>
-              <a:rPr lang="en-US" altLang="ja-JP" sz="2000" dirty="0"/>
-              <a:t>Head</a:t>
-            </a:r>
+              <a:rPr lang="en-US" altLang="ja-JP" sz="2000" dirty="0" smtClean="0"/>
+              <a:t>Head (</a:t>
+            </a:r>
+            <a:r>
+              <a:rPr lang="ja-JP" altLang="en-US" sz="2000" dirty="0" smtClean="0"/>
+              <a:t>未整列領域の先頭</a:t>
+            </a:r>
+            <a:r>
+              <a:rPr lang="en-US" altLang="ja-JP" sz="2000" dirty="0" smtClean="0"/>
+              <a:t>)</a:t>
+            </a:r>
+            <a:endParaRPr lang="en-US" altLang="ja-JP" sz="2000" dirty="0"/>
           </a:p>
           <a:p>
             <a:r>
@@ -3858,8 +4926,29 @@
             </a:r>
             <a:r>
               <a:rPr lang="en-US" altLang="ja-JP" sz="2000" dirty="0"/>
-              <a:t> ←Head -1</a:t>
-            </a:r>
+              <a:t> ←Head -</a:t>
+            </a:r>
+            <a:r>
+              <a:rPr lang="en-US" altLang="ja-JP" sz="2000" dirty="0" smtClean="0"/>
+              <a:t>1</a:t>
+            </a:r>
+            <a:r>
+              <a:rPr lang="ja-JP" altLang="en-US" sz="2000" dirty="0" smtClean="0"/>
+              <a:t>　</a:t>
+            </a:r>
+            <a:r>
+              <a:rPr lang="en-US" altLang="ja-JP" sz="2000" dirty="0" smtClean="0"/>
+              <a:t>(</a:t>
+            </a:r>
+            <a:r>
+              <a:rPr lang="ja-JP" altLang="en-US" sz="2000" dirty="0" smtClean="0"/>
+              <a:t>整列済の最後</a:t>
+            </a:r>
+            <a:r>
+              <a:rPr lang="en-US" altLang="ja-JP" sz="2000" dirty="0" smtClean="0"/>
+              <a:t>)</a:t>
+            </a:r>
+            <a:endParaRPr lang="en-US" altLang="ja-JP" sz="2000" dirty="0"/>
           </a:p>
           <a:p>
             <a:r>
@@ -3946,7 +5035,15 @@
             </a:r>
             <a:r>
               <a:rPr lang="en-US" altLang="ja-JP" sz="2000" dirty="0"/>
-              <a:t>Head ← Head - 1</a:t>
+              <a:t>Head ← Head </a:t>
+            </a:r>
+            <a:r>
+              <a:rPr lang="en-US" altLang="ja-JP" sz="2000" dirty="0" smtClean="0"/>
+              <a:t>+ </a:t>
+            </a:r>
+            <a:r>
+              <a:rPr lang="en-US" altLang="ja-JP" sz="2000" dirty="0"/>
+              <a:t>1</a:t>
             </a:r>
           </a:p>
           <a:p>
@@ -4741,7 +5838,7 @@
 </p:sld>
 </file>
 
-<file path=ppt/slides/slide5.xml><?xml version="1.0" encoding="utf-8"?>
+<file path=ppt/slides/slide8.xml><?xml version="1.0" encoding="utf-8"?>
 <p:sld xmlns:a="http://schemas.openxmlformats.org/drawingml/2006/main" xmlns:r="http://schemas.openxmlformats.org/officeDocument/2006/relationships" xmlns:p="http://schemas.openxmlformats.org/presentationml/2006/main">
   <p:cSld>
     <p:spTree>
@@ -5772,495 +6869,6 @@
 </p:sld>
 </file>
 
-<file path=ppt/slides/slide6.xml><?xml version="1.0" encoding="utf-8"?>
-<p:sld xmlns:a="http://schemas.openxmlformats.org/drawingml/2006/main" xmlns:r="http://schemas.openxmlformats.org/officeDocument/2006/relationships" xmlns:p="http://schemas.openxmlformats.org/presentationml/2006/main">
-  <p:cSld>
-    <p:spTree>
-      <p:nvGrpSpPr>
-        <p:cNvPr id="1" name=""/>
-        <p:cNvGrpSpPr/>
-        <p:nvPr/>
-      </p:nvGrpSpPr>
-      <p:grpSpPr>
-        <a:xfrm>
-          <a:off x="0" y="0"/>
-          <a:ext cx="0" cy="0"/>
-          <a:chOff x="0" y="0"/>
-          <a:chExt cx="0" cy="0"/>
-        </a:xfrm>
-      </p:grpSpPr>
-      <p:sp>
-        <p:nvSpPr>
-          <p:cNvPr id="2" name="タイトル 1"/>
-          <p:cNvSpPr>
-            <a:spLocks noGrp="1"/>
-          </p:cNvSpPr>
-          <p:nvPr>
-            <p:ph type="title"/>
-          </p:nvPr>
-        </p:nvSpPr>
-        <p:spPr/>
-        <p:txBody>
-          <a:bodyPr/>
-          <a:lstStyle/>
-          <a:p>
-            <a:r>
-              <a:rPr lang="ja-JP" altLang="en-US" dirty="0" smtClean="0"/>
-              <a:t>評価　（計算量）</a:t>
-            </a:r>
-            <a:endParaRPr kumimoji="1" lang="ja-JP" altLang="en-US" dirty="0"/>
-          </a:p>
-        </p:txBody>
-      </p:sp>
-      <p:sp>
-        <p:nvSpPr>
-          <p:cNvPr id="3" name="テキスト ボックス 2"/>
-          <p:cNvSpPr txBox="1"/>
-          <p:nvPr/>
-        </p:nvSpPr>
-        <p:spPr>
-          <a:xfrm>
-            <a:off x="159919" y="2279737"/>
-            <a:ext cx="11872161" cy="1077218"/>
-          </a:xfrm>
-          <a:prstGeom prst="rect">
-            <a:avLst/>
-          </a:prstGeom>
-          <a:noFill/>
-        </p:spPr>
-        <p:txBody>
-          <a:bodyPr wrap="none" rtlCol="0">
-            <a:spAutoFit/>
-          </a:bodyPr>
-          <a:lstStyle/>
-          <a:p>
-            <a:r>
-              <a:rPr kumimoji="1" lang="ja-JP" altLang="en-US" sz="3200" dirty="0" smtClean="0"/>
-              <a:t>平均ループ数は、</a:t>
-            </a:r>
-            <a:r>
-              <a:rPr kumimoji="1" lang="en-US" altLang="ja-JP" sz="3200" dirty="0" smtClean="0"/>
-              <a:t>(1 + 2 + 3 +  </a:t>
-            </a:r>
-            <a:r>
-              <a:rPr kumimoji="1" lang="ja-JP" altLang="en-US" sz="3200" dirty="0" smtClean="0"/>
-              <a:t>・・・  </a:t>
-            </a:r>
-            <a:r>
-              <a:rPr kumimoji="1" lang="en-US" altLang="ja-JP" sz="3200" dirty="0" smtClean="0"/>
-              <a:t>+ N-1)/2 = N/4  - N/4</a:t>
-            </a:r>
-          </a:p>
-          <a:p>
-            <a:r>
-              <a:rPr lang="ja-JP" altLang="en-US" sz="3200" dirty="0" smtClean="0"/>
-              <a:t>よって、</a:t>
-            </a:r>
-            <a:r>
-              <a:rPr lang="en-US" altLang="ja-JP" sz="3200" dirty="0" smtClean="0"/>
-              <a:t>O(N</a:t>
-            </a:r>
-            <a:r>
-              <a:rPr lang="ja-JP" altLang="en-US" sz="3200" dirty="0"/>
-              <a:t> </a:t>
-            </a:r>
-            <a:r>
-              <a:rPr lang="en-US" altLang="ja-JP" sz="3200" dirty="0" smtClean="0"/>
-              <a:t>)</a:t>
-            </a:r>
-            <a:r>
-              <a:rPr lang="ja-JP" altLang="en-US" sz="3200" dirty="0" smtClean="0"/>
-              <a:t>と評価できる。</a:t>
-            </a:r>
-            <a:endParaRPr kumimoji="1" lang="ja-JP" altLang="en-US" sz="3200" dirty="0"/>
-          </a:p>
-        </p:txBody>
-      </p:sp>
-      <p:sp>
-        <p:nvSpPr>
-          <p:cNvPr id="4" name="テキスト ボックス 3"/>
-          <p:cNvSpPr txBox="1"/>
-          <p:nvPr/>
-        </p:nvSpPr>
-        <p:spPr>
-          <a:xfrm>
-            <a:off x="9920612" y="2214425"/>
-            <a:ext cx="313151" cy="261610"/>
-          </a:xfrm>
-          <a:prstGeom prst="rect">
-            <a:avLst/>
-          </a:prstGeom>
-          <a:noFill/>
-        </p:spPr>
-        <p:txBody>
-          <a:bodyPr wrap="square" rtlCol="0">
-            <a:spAutoFit/>
-          </a:bodyPr>
-          <a:lstStyle/>
-          <a:p>
-            <a:r>
-              <a:rPr kumimoji="1" lang="en-US" altLang="ja-JP" sz="1100" dirty="0" smtClean="0"/>
-              <a:t>2</a:t>
-            </a:r>
-            <a:endParaRPr kumimoji="1" lang="ja-JP" altLang="en-US" sz="1100" dirty="0"/>
-          </a:p>
-        </p:txBody>
-      </p:sp>
-      <p:sp>
-        <p:nvSpPr>
-          <p:cNvPr id="5" name="テキスト ボックス 4"/>
-          <p:cNvSpPr txBox="1"/>
-          <p:nvPr/>
-        </p:nvSpPr>
-        <p:spPr>
-          <a:xfrm>
-            <a:off x="2532344" y="2753034"/>
-            <a:ext cx="313151" cy="261610"/>
-          </a:xfrm>
-          <a:prstGeom prst="rect">
-            <a:avLst/>
-          </a:prstGeom>
-          <a:noFill/>
-        </p:spPr>
-        <p:txBody>
-          <a:bodyPr wrap="square" rtlCol="0">
-            <a:spAutoFit/>
-          </a:bodyPr>
-          <a:lstStyle/>
-          <a:p>
-            <a:r>
-              <a:rPr kumimoji="1" lang="en-US" altLang="ja-JP" sz="1100" dirty="0" smtClean="0"/>
-              <a:t>2</a:t>
-            </a:r>
-            <a:endParaRPr kumimoji="1" lang="ja-JP" altLang="en-US" sz="1100" dirty="0"/>
-          </a:p>
-        </p:txBody>
-      </p:sp>
-    </p:spTree>
-    <p:extLst>
-      <p:ext uri="{BB962C8B-B14F-4D97-AF65-F5344CB8AC3E}">
-        <p14:creationId xmlns:p14="http://schemas.microsoft.com/office/powerpoint/2010/main" val="3681992366"/>
-      </p:ext>
-    </p:extLst>
-  </p:cSld>
-  <p:clrMapOvr>
-    <a:masterClrMapping/>
-  </p:clrMapOvr>
-</p:sld>
-</file>
-
-<file path=ppt/slides/slide7.xml><?xml version="1.0" encoding="utf-8"?>
-<p:sld xmlns:a="http://schemas.openxmlformats.org/drawingml/2006/main" xmlns:r="http://schemas.openxmlformats.org/officeDocument/2006/relationships" xmlns:p="http://schemas.openxmlformats.org/presentationml/2006/main">
-  <p:cSld>
-    <p:spTree>
-      <p:nvGrpSpPr>
-        <p:cNvPr id="1" name=""/>
-        <p:cNvGrpSpPr/>
-        <p:nvPr/>
-      </p:nvGrpSpPr>
-      <p:grpSpPr>
-        <a:xfrm>
-          <a:off x="0" y="0"/>
-          <a:ext cx="0" cy="0"/>
-          <a:chOff x="0" y="0"/>
-          <a:chExt cx="0" cy="0"/>
-        </a:xfrm>
-      </p:grpSpPr>
-      <p:sp>
-        <p:nvSpPr>
-          <p:cNvPr id="2" name="タイトル 1"/>
-          <p:cNvSpPr>
-            <a:spLocks noGrp="1"/>
-          </p:cNvSpPr>
-          <p:nvPr>
-            <p:ph type="title"/>
-          </p:nvPr>
-        </p:nvSpPr>
-        <p:spPr>
-          <a:xfrm>
-            <a:off x="375243" y="2053889"/>
-            <a:ext cx="11638565" cy="2771329"/>
-          </a:xfrm>
-        </p:spPr>
-        <p:txBody>
-          <a:bodyPr>
-            <a:normAutofit fontScale="90000"/>
-          </a:bodyPr>
-          <a:lstStyle/>
-          <a:p>
-            <a:r>
-              <a:rPr kumimoji="1" lang="en-US" altLang="ja-JP" dirty="0" smtClean="0"/>
-              <a:t>Training</a:t>
-            </a:r>
-            <a:r>
-              <a:rPr kumimoji="1" lang="ja-JP" altLang="en-US" dirty="0" smtClean="0"/>
-              <a:t>　</a:t>
-            </a:r>
-            <a:r>
-              <a:rPr kumimoji="1" lang="en-US" altLang="ja-JP" dirty="0" smtClean="0"/>
-              <a:t>2-6</a:t>
-            </a:r>
-            <a:br>
-              <a:rPr kumimoji="1" lang="en-US" altLang="ja-JP" dirty="0" smtClean="0"/>
-            </a:br>
-            <a:r>
-              <a:rPr lang="en-US" altLang="ja-JP" dirty="0"/>
-              <a:t/>
-            </a:r>
-            <a:br>
-              <a:rPr lang="en-US" altLang="ja-JP" dirty="0"/>
-            </a:br>
-            <a:r>
-              <a:rPr lang="ja-JP" altLang="en-US" dirty="0" smtClean="0"/>
-              <a:t>計算を省略して高速化する</a:t>
-            </a:r>
-            <a:r>
-              <a:rPr lang="en-US" altLang="ja-JP" dirty="0" smtClean="0"/>
-              <a:t/>
-            </a:r>
-            <a:br>
-              <a:rPr lang="en-US" altLang="ja-JP" dirty="0" smtClean="0"/>
-            </a:br>
-            <a:r>
-              <a:rPr lang="en-US" altLang="ja-JP" dirty="0" err="1" smtClean="0"/>
-              <a:t>LastSwap</a:t>
-            </a:r>
-            <a:r>
-              <a:rPr lang="ja-JP" altLang="en-US" dirty="0" smtClean="0"/>
-              <a:t>した値の手前まで隣接交換すると考える。</a:t>
-            </a:r>
-            <a:endParaRPr kumimoji="1" lang="ja-JP" altLang="en-US" dirty="0"/>
-          </a:p>
-        </p:txBody>
-      </p:sp>
-    </p:spTree>
-    <p:extLst>
-      <p:ext uri="{BB962C8B-B14F-4D97-AF65-F5344CB8AC3E}">
-        <p14:creationId xmlns:p14="http://schemas.microsoft.com/office/powerpoint/2010/main" val="3041200670"/>
-      </p:ext>
-    </p:extLst>
-  </p:cSld>
-  <p:clrMapOvr>
-    <a:masterClrMapping/>
-  </p:clrMapOvr>
-</p:sld>
-</file>
-
-<file path=ppt/slides/slide8.xml><?xml version="1.0" encoding="utf-8"?>
-<p:sld xmlns:a="http://schemas.openxmlformats.org/drawingml/2006/main" xmlns:r="http://schemas.openxmlformats.org/officeDocument/2006/relationships" xmlns:p="http://schemas.openxmlformats.org/presentationml/2006/main">
-  <p:cSld>
-    <p:spTree>
-      <p:nvGrpSpPr>
-        <p:cNvPr id="1" name=""/>
-        <p:cNvGrpSpPr/>
-        <p:nvPr/>
-      </p:nvGrpSpPr>
-      <p:grpSpPr>
-        <a:xfrm>
-          <a:off x="0" y="0"/>
-          <a:ext cx="0" cy="0"/>
-          <a:chOff x="0" y="0"/>
-          <a:chExt cx="0" cy="0"/>
-        </a:xfrm>
-      </p:grpSpPr>
-      <p:sp>
-        <p:nvSpPr>
-          <p:cNvPr id="2" name="タイトル 1"/>
-          <p:cNvSpPr>
-            <a:spLocks noGrp="1"/>
-          </p:cNvSpPr>
-          <p:nvPr>
-            <p:ph type="title"/>
-          </p:nvPr>
-        </p:nvSpPr>
-        <p:spPr/>
-        <p:txBody>
-          <a:bodyPr/>
-          <a:lstStyle/>
-          <a:p>
-            <a:r>
-              <a:rPr kumimoji="1" lang="en-US" altLang="ja-JP" dirty="0" smtClean="0"/>
-              <a:t>2-7</a:t>
-            </a:r>
-            <a:r>
-              <a:rPr kumimoji="1" lang="ja-JP" altLang="en-US" dirty="0" smtClean="0"/>
-              <a:t>　再帰</a:t>
-            </a:r>
-            <a:endParaRPr kumimoji="1" lang="ja-JP" altLang="en-US" dirty="0"/>
-          </a:p>
-        </p:txBody>
-      </p:sp>
-      <p:sp>
-        <p:nvSpPr>
-          <p:cNvPr id="3" name="テキスト ボックス 2"/>
-          <p:cNvSpPr txBox="1"/>
-          <p:nvPr/>
-        </p:nvSpPr>
-        <p:spPr>
-          <a:xfrm>
-            <a:off x="590917" y="1853852"/>
-            <a:ext cx="10762883" cy="3785652"/>
-          </a:xfrm>
-          <a:prstGeom prst="rect">
-            <a:avLst/>
-          </a:prstGeom>
-          <a:noFill/>
-        </p:spPr>
-        <p:txBody>
-          <a:bodyPr wrap="none" rtlCol="0">
-            <a:spAutoFit/>
-          </a:bodyPr>
-          <a:lstStyle/>
-          <a:p>
-            <a:r>
-              <a:rPr kumimoji="1" lang="ja-JP" altLang="en-US" sz="2400" dirty="0" smtClean="0"/>
-              <a:t>関数が　“自分自身の関数”を呼び出すことを、再帰呼び出しという。</a:t>
-            </a:r>
-            <a:endParaRPr kumimoji="1" lang="en-US" altLang="ja-JP" sz="2400" dirty="0" smtClean="0"/>
-          </a:p>
-          <a:p>
-            <a:r>
-              <a:rPr kumimoji="1" lang="en-US" altLang="ja-JP" sz="2400" dirty="0" smtClean="0"/>
-              <a:t>N! (N</a:t>
-            </a:r>
-            <a:r>
-              <a:rPr kumimoji="1" lang="ja-JP" altLang="en-US" sz="2400" dirty="0" smtClean="0"/>
-              <a:t>の階乗）がよく知られている。</a:t>
-            </a:r>
-            <a:endParaRPr kumimoji="1" lang="en-US" altLang="ja-JP" sz="2400" dirty="0" smtClean="0"/>
-          </a:p>
-          <a:p>
-            <a:endParaRPr lang="en-US" altLang="ja-JP" sz="2400" dirty="0"/>
-          </a:p>
-          <a:p>
-            <a:r>
-              <a:rPr kumimoji="1" lang="en-US" altLang="ja-JP" sz="2400" dirty="0" smtClean="0"/>
-              <a:t>N! </a:t>
-            </a:r>
-            <a:r>
-              <a:rPr kumimoji="1" lang="ja-JP" altLang="en-US" sz="2400" dirty="0" smtClean="0"/>
-              <a:t>＝　</a:t>
-            </a:r>
-            <a:r>
-              <a:rPr kumimoji="1" lang="en-US" altLang="ja-JP" sz="2400" dirty="0" smtClean="0"/>
-              <a:t>N</a:t>
-            </a:r>
-            <a:r>
-              <a:rPr lang="ja-JP" altLang="en-US" sz="2400" dirty="0"/>
-              <a:t> </a:t>
-            </a:r>
-            <a:r>
-              <a:rPr lang="en-US" altLang="ja-JP" sz="2400" dirty="0" smtClean="0"/>
-              <a:t>x (N-1) x (N-2) x (N-3) x     </a:t>
-            </a:r>
-            <a:r>
-              <a:rPr lang="en-US" altLang="ja-JP" sz="2400" dirty="0" err="1" smtClean="0"/>
-              <a:t>x</a:t>
-            </a:r>
-            <a:r>
-              <a:rPr lang="en-US" altLang="ja-JP" sz="2400" dirty="0" smtClean="0"/>
-              <a:t> 2 x 1</a:t>
-            </a:r>
-            <a:r>
-              <a:rPr lang="ja-JP" altLang="en-US" sz="2400" dirty="0" smtClean="0"/>
-              <a:t>　で表現される。</a:t>
-            </a:r>
-            <a:endParaRPr lang="en-US" altLang="ja-JP" sz="2400" dirty="0" smtClean="0"/>
-          </a:p>
-          <a:p>
-            <a:r>
-              <a:rPr kumimoji="1" lang="ja-JP" altLang="en-US" sz="2400" dirty="0" smtClean="0"/>
-              <a:t>（ただし、</a:t>
-            </a:r>
-            <a:r>
-              <a:rPr kumimoji="1" lang="en-US" altLang="ja-JP" sz="2400" dirty="0" smtClean="0"/>
-              <a:t>0! =</a:t>
-            </a:r>
-            <a:r>
-              <a:rPr kumimoji="1" lang="ja-JP" altLang="en-US" sz="2400" dirty="0" smtClean="0"/>
-              <a:t>１と考える）</a:t>
-            </a:r>
-            <a:endParaRPr kumimoji="1" lang="en-US" altLang="ja-JP" sz="2400" dirty="0" smtClean="0"/>
-          </a:p>
-          <a:p>
-            <a:endParaRPr lang="en-US" altLang="ja-JP" sz="2400" dirty="0"/>
-          </a:p>
-          <a:p>
-            <a:r>
-              <a:rPr kumimoji="1" lang="ja-JP" altLang="en-US" sz="2400" dirty="0" smtClean="0"/>
-              <a:t>これは、</a:t>
-            </a:r>
-            <a:r>
-              <a:rPr kumimoji="1" lang="en-US" altLang="ja-JP" sz="2400" dirty="0" smtClean="0"/>
-              <a:t>N!=</a:t>
-            </a:r>
-            <a:r>
-              <a:rPr kumimoji="1" lang="ja-JP" altLang="en-US" sz="2400" dirty="0" smtClean="0"/>
-              <a:t>　　</a:t>
-            </a:r>
-            <a:r>
-              <a:rPr kumimoji="1" lang="en-US" altLang="ja-JP" sz="2400" dirty="0" smtClean="0"/>
-              <a:t>N&gt; 0</a:t>
-            </a:r>
-            <a:r>
-              <a:rPr kumimoji="1" lang="ja-JP" altLang="en-US" sz="2400" dirty="0" smtClean="0"/>
-              <a:t>のとき　</a:t>
-            </a:r>
-            <a:r>
-              <a:rPr kumimoji="1" lang="en-US" altLang="ja-JP" sz="2400" dirty="0" smtClean="0"/>
-              <a:t>N x (N-1)!  </a:t>
-            </a:r>
-            <a:r>
-              <a:rPr lang="en-US" altLang="ja-JP" sz="2400" dirty="0"/>
-              <a:t> </a:t>
-            </a:r>
-            <a:r>
-              <a:rPr lang="en-US" altLang="ja-JP" sz="2400" dirty="0" smtClean="0"/>
-              <a:t>  ,   N=0</a:t>
-            </a:r>
-            <a:r>
-              <a:rPr lang="ja-JP" altLang="en-US" sz="2400" dirty="0" smtClean="0"/>
-              <a:t>のとき　１と考えられる</a:t>
-            </a:r>
-            <a:endParaRPr lang="en-US" altLang="ja-JP" sz="2400" dirty="0" smtClean="0"/>
-          </a:p>
-          <a:p>
-            <a:endParaRPr lang="en-US" altLang="ja-JP" sz="2400" dirty="0"/>
-          </a:p>
-          <a:p>
-            <a:r>
-              <a:rPr lang="ja-JP" altLang="en-US" sz="2400" dirty="0" smtClean="0"/>
-              <a:t>参考</a:t>
-            </a:r>
-            <a:r>
-              <a:rPr lang="en-US" altLang="ja-JP" sz="2400" dirty="0" smtClean="0"/>
-              <a:t>URL</a:t>
-            </a:r>
-          </a:p>
-          <a:p>
-            <a:r>
-              <a:rPr lang="en-US" altLang="ja-JP" sz="2400" dirty="0">
-                <a:hlinkClick r:id="rId2"/>
-              </a:rPr>
-              <a:t>http://e-words.jp/w/%E5%86%8D%E5%B8%B0.html</a:t>
-            </a:r>
-            <a:endParaRPr lang="en-US" altLang="ja-JP" sz="2400" dirty="0" smtClean="0"/>
-          </a:p>
-        </p:txBody>
-      </p:sp>
-    </p:spTree>
-    <p:extLst>
-      <p:ext uri="{BB962C8B-B14F-4D97-AF65-F5344CB8AC3E}">
-        <p14:creationId xmlns:p14="http://schemas.microsoft.com/office/powerpoint/2010/main" val="4269395741"/>
-      </p:ext>
-    </p:extLst>
-  </p:cSld>
-  <p:clrMapOvr>
-    <a:masterClrMapping/>
-  </p:clrMapOvr>
-</p:sld>
-</file>
-
 <file path=ppt/slides/slide9.xml><?xml version="1.0" encoding="utf-8"?>
 <p:sld xmlns:a="http://schemas.openxmlformats.org/drawingml/2006/main" xmlns:r="http://schemas.openxmlformats.org/officeDocument/2006/relationships" xmlns:p="http://schemas.openxmlformats.org/presentationml/2006/main">
   <p:cSld>
@@ -6280,14 +6888,37 @@
       </p:grpSpPr>
       <p:sp>
         <p:nvSpPr>
+          <p:cNvPr id="2" name="タイトル 1"/>
+          <p:cNvSpPr>
+            <a:spLocks noGrp="1"/>
+          </p:cNvSpPr>
+          <p:nvPr>
+            <p:ph type="title"/>
+          </p:nvPr>
+        </p:nvSpPr>
+        <p:spPr/>
+        <p:txBody>
+          <a:bodyPr/>
+          <a:lstStyle/>
+          <a:p>
+            <a:r>
+              <a:rPr lang="ja-JP" altLang="en-US" dirty="0" smtClean="0"/>
+              <a:t>評価　（計算量）</a:t>
+            </a:r>
+            <a:endParaRPr kumimoji="1" lang="ja-JP" altLang="en-US" dirty="0"/>
+          </a:p>
+        </p:txBody>
+      </p:sp>
+      <p:sp>
+        <p:nvSpPr>
           <p:cNvPr id="3" name="テキスト ボックス 2"/>
           <p:cNvSpPr txBox="1"/>
           <p:nvPr/>
         </p:nvSpPr>
         <p:spPr>
           <a:xfrm>
-            <a:off x="237994" y="375781"/>
-            <a:ext cx="9028434" cy="4524315"/>
+            <a:off x="159919" y="2279737"/>
+            <a:ext cx="11872161" cy="1077218"/>
           </a:xfrm>
           <a:prstGeom prst="rect">
             <a:avLst/>
@@ -6301,235 +6932,57 @@
           <a:lstStyle/>
           <a:p>
             <a:r>
-              <a:rPr lang="ja-JP" altLang="en-US" sz="2400" dirty="0"/>
-              <a:t>○プログラム名：再帰呼び出し </a:t>
-            </a:r>
-            <a:r>
-              <a:rPr lang="en-US" altLang="ja-JP" sz="2400" dirty="0"/>
-              <a:t>/* </a:t>
-            </a:r>
-            <a:r>
-              <a:rPr lang="ja-JP" altLang="en-US" sz="2400" dirty="0"/>
-              <a:t>教科書 </a:t>
-            </a:r>
-            <a:r>
-              <a:rPr lang="en-US" altLang="ja-JP" sz="2400" dirty="0"/>
-              <a:t>102</a:t>
-            </a:r>
-            <a:r>
-              <a:rPr lang="ja-JP" altLang="en-US" sz="2400" dirty="0"/>
-              <a:t>ページサンプル *</a:t>
-            </a:r>
-            <a:r>
-              <a:rPr lang="en-US" altLang="ja-JP" sz="2400" dirty="0"/>
-              <a:t>/</a:t>
-            </a:r>
-          </a:p>
-          <a:p>
-            <a:r>
-              <a:rPr lang="en-US" altLang="ja-JP" sz="2400" dirty="0"/>
-              <a:t>○</a:t>
-            </a:r>
-            <a:r>
-              <a:rPr lang="ja-JP" altLang="en-US" sz="2400" dirty="0"/>
-              <a:t>整数型：</a:t>
-            </a:r>
-            <a:r>
-              <a:rPr lang="en-US" altLang="ja-JP" sz="2400" dirty="0"/>
-              <a:t>Ret</a:t>
-            </a:r>
-          </a:p>
-          <a:p>
-            <a:endParaRPr lang="en-US" altLang="ja-JP" sz="2400" dirty="0"/>
-          </a:p>
-          <a:p>
-            <a:r>
-              <a:rPr lang="en-US" altLang="ja-JP" sz="2400" dirty="0"/>
-              <a:t>●Ret ← Fact(5)</a:t>
-            </a:r>
-          </a:p>
-          <a:p>
-            <a:r>
-              <a:rPr lang="en-US" altLang="ja-JP" sz="2400" dirty="0"/>
-              <a:t>●</a:t>
-            </a:r>
-            <a:r>
-              <a:rPr lang="ja-JP" altLang="en-US" sz="2400" dirty="0"/>
-              <a:t>表示処理</a:t>
-            </a:r>
-            <a:r>
-              <a:rPr lang="en-US" altLang="ja-JP" sz="2400" dirty="0"/>
-              <a:t>(Ret)</a:t>
-            </a:r>
-          </a:p>
-          <a:p>
-            <a:endParaRPr lang="en-US" altLang="ja-JP" sz="2400" dirty="0"/>
-          </a:p>
-          <a:p>
-            <a:r>
-              <a:rPr lang="en-US" altLang="ja-JP" sz="2400" dirty="0"/>
-              <a:t>○</a:t>
-            </a:r>
-            <a:r>
-              <a:rPr lang="ja-JP" altLang="en-US" sz="2400" dirty="0"/>
-              <a:t>整数型：</a:t>
-            </a:r>
-            <a:r>
-              <a:rPr lang="en-US" altLang="ja-JP" sz="2400" dirty="0"/>
-              <a:t>Fact(</a:t>
-            </a:r>
-            <a:r>
-              <a:rPr lang="ja-JP" altLang="en-US" sz="2400" dirty="0"/>
-              <a:t>整数型：</a:t>
-            </a:r>
-            <a:r>
-              <a:rPr lang="en-US" altLang="ja-JP" sz="2400" dirty="0"/>
-              <a:t>N)</a:t>
-            </a:r>
-          </a:p>
-          <a:p>
-            <a:r>
-              <a:rPr lang="en-US" altLang="ja-JP" sz="2400" dirty="0"/>
-              <a:t>▲N = 0</a:t>
-            </a:r>
-          </a:p>
-          <a:p>
-            <a:r>
-              <a:rPr lang="ja-JP" altLang="en-US" sz="2400" dirty="0"/>
-              <a:t>｜ ●</a:t>
-            </a:r>
-            <a:r>
-              <a:rPr lang="en-US" altLang="ja-JP" sz="2400" dirty="0"/>
-              <a:t>return(1)</a:t>
-            </a:r>
-          </a:p>
-          <a:p>
-            <a:r>
-              <a:rPr lang="ja-JP" altLang="en-US" sz="2400" dirty="0"/>
-              <a:t>＋－－－－－－－－－</a:t>
-            </a:r>
-          </a:p>
-          <a:p>
-            <a:r>
-              <a:rPr lang="ja-JP" altLang="en-US" sz="2400" dirty="0"/>
-              <a:t>｜ ●</a:t>
-            </a:r>
-            <a:r>
-              <a:rPr lang="en-US" altLang="ja-JP" sz="2400" dirty="0"/>
-              <a:t>return(N) × Fact(N-1)</a:t>
-            </a:r>
-          </a:p>
-          <a:p>
-            <a:r>
-              <a:rPr lang="en-US" altLang="ja-JP" sz="2400" dirty="0"/>
-              <a:t>▼</a:t>
-            </a:r>
-            <a:endParaRPr kumimoji="1" lang="ja-JP" altLang="en-US" sz="2400" dirty="0"/>
-          </a:p>
-        </p:txBody>
-      </p:sp>
-      <p:sp>
-        <p:nvSpPr>
-          <p:cNvPr id="4" name="正方形/長方形 3"/>
-          <p:cNvSpPr/>
+              <a:rPr kumimoji="1" lang="ja-JP" altLang="en-US" sz="3200" dirty="0" smtClean="0"/>
+              <a:t>平均ループ数は、</a:t>
+            </a:r>
+            <a:r>
+              <a:rPr kumimoji="1" lang="en-US" altLang="ja-JP" sz="3200" dirty="0" smtClean="0"/>
+              <a:t>(1 + 2 + 3 +  </a:t>
+            </a:r>
+            <a:r>
+              <a:rPr kumimoji="1" lang="ja-JP" altLang="en-US" sz="3200" dirty="0" smtClean="0"/>
+              <a:t>・・・  </a:t>
+            </a:r>
+            <a:r>
+              <a:rPr kumimoji="1" lang="en-US" altLang="ja-JP" sz="3200" dirty="0" smtClean="0"/>
+              <a:t>+ N-1)/2 = N/4  - N/4</a:t>
+            </a:r>
+          </a:p>
+          <a:p>
+            <a:r>
+              <a:rPr lang="ja-JP" altLang="en-US" sz="3200" dirty="0" smtClean="0"/>
+              <a:t>よって、</a:t>
+            </a:r>
+            <a:r>
+              <a:rPr lang="en-US" altLang="ja-JP" sz="3200" dirty="0" smtClean="0"/>
+              <a:t>O(N</a:t>
+            </a:r>
+            <a:r>
+              <a:rPr lang="ja-JP" altLang="en-US" sz="3200" dirty="0"/>
+              <a:t> </a:t>
+            </a:r>
+            <a:r>
+              <a:rPr lang="en-US" altLang="ja-JP" sz="3200" dirty="0" smtClean="0"/>
+              <a:t>)</a:t>
+            </a:r>
+            <a:r>
+              <a:rPr lang="ja-JP" altLang="en-US" sz="3200" dirty="0" smtClean="0"/>
+              <a:t>と評価できる。</a:t>
+            </a:r>
+            <a:endParaRPr kumimoji="1" lang="ja-JP" altLang="en-US" sz="3200" dirty="0"/>
+          </a:p>
+        </p:txBody>
+      </p:sp>
+      <p:sp>
+        <p:nvSpPr>
+          <p:cNvPr id="4" name="テキスト ボックス 3"/>
+          <p:cNvSpPr txBox="1"/>
           <p:nvPr/>
         </p:nvSpPr>
         <p:spPr>
           <a:xfrm>
-            <a:off x="237993" y="2494314"/>
-            <a:ext cx="4922729" cy="2916930"/>
-          </a:xfrm>
-          <a:prstGeom prst="rect">
-            <a:avLst/>
-          </a:prstGeom>
-          <a:noFill/>
-          <a:ln w="38100">
-            <a:solidFill>
-              <a:srgbClr val="FF0000"/>
-            </a:solidFill>
-          </a:ln>
-        </p:spPr>
-        <p:style>
-          <a:lnRef idx="2">
-            <a:schemeClr val="accent1">
-              <a:shade val="50000"/>
-            </a:schemeClr>
-          </a:lnRef>
-          <a:fillRef idx="1">
-            <a:schemeClr val="accent1"/>
-          </a:fillRef>
-          <a:effectRef idx="0">
-            <a:schemeClr val="accent1"/>
-          </a:effectRef>
-          <a:fontRef idx="minor">
-            <a:schemeClr val="lt1"/>
-          </a:fontRef>
-        </p:style>
-        <p:txBody>
-          <a:bodyPr rtlCol="0" anchor="ctr"/>
-          <a:lstStyle/>
-          <a:p>
-            <a:pPr algn="ctr"/>
-            <a:endParaRPr kumimoji="1" lang="ja-JP" altLang="en-US"/>
-          </a:p>
-        </p:txBody>
-      </p:sp>
-      <p:sp>
-        <p:nvSpPr>
-          <p:cNvPr id="5" name="正方形/長方形 4"/>
-          <p:cNvSpPr/>
-          <p:nvPr/>
-        </p:nvSpPr>
-        <p:spPr>
-          <a:xfrm>
-            <a:off x="2785135" y="3974473"/>
-            <a:ext cx="1488328" cy="637193"/>
-          </a:xfrm>
-          <a:prstGeom prst="rect">
-            <a:avLst/>
-          </a:prstGeom>
-          <a:noFill/>
-          <a:ln w="38100">
-            <a:solidFill>
-              <a:srgbClr val="FF0000"/>
-            </a:solidFill>
-          </a:ln>
-        </p:spPr>
-        <p:style>
-          <a:lnRef idx="2">
-            <a:schemeClr val="accent1">
-              <a:shade val="50000"/>
-            </a:schemeClr>
-          </a:lnRef>
-          <a:fillRef idx="1">
-            <a:schemeClr val="accent1"/>
-          </a:fillRef>
-          <a:effectRef idx="0">
-            <a:schemeClr val="accent1"/>
-          </a:effectRef>
-          <a:fontRef idx="minor">
-            <a:schemeClr val="lt1"/>
-          </a:fontRef>
-        </p:style>
-        <p:txBody>
-          <a:bodyPr rtlCol="0" anchor="ctr"/>
-          <a:lstStyle/>
-          <a:p>
-            <a:pPr algn="ctr"/>
-            <a:endParaRPr kumimoji="1" lang="ja-JP" altLang="en-US"/>
-          </a:p>
-        </p:txBody>
-      </p:sp>
-      <p:sp>
-        <p:nvSpPr>
-          <p:cNvPr id="6" name="テキスト ボックス 5"/>
-          <p:cNvSpPr txBox="1"/>
-          <p:nvPr/>
-        </p:nvSpPr>
-        <p:spPr>
-          <a:xfrm>
-            <a:off x="5285982" y="2059953"/>
-            <a:ext cx="6527587" cy="3046988"/>
+            <a:off x="9920612" y="2214425"/>
+            <a:ext cx="313151" cy="261610"/>
           </a:xfrm>
           <a:prstGeom prst="rect">
             <a:avLst/>
@@ -6543,94 +6996,47 @@
           <a:lstStyle/>
           <a:p>
             <a:r>
-              <a:rPr kumimoji="1" lang="ja-JP" altLang="en-US" sz="2400" dirty="0" smtClean="0"/>
-              <a:t>５ </a:t>
-            </a:r>
-            <a:r>
-              <a:rPr kumimoji="1" lang="en-US" altLang="ja-JP" sz="2400" dirty="0" smtClean="0"/>
-              <a:t>x</a:t>
-            </a:r>
-            <a:r>
-              <a:rPr lang="ja-JP" altLang="en-US" sz="2400" dirty="0"/>
-              <a:t> </a:t>
-            </a:r>
-            <a:r>
-              <a:rPr lang="ja-JP" altLang="en-US" sz="2400" dirty="0" smtClean="0"/>
-              <a:t> </a:t>
-            </a:r>
-            <a:r>
-              <a:rPr lang="en-US" altLang="ja-JP" sz="2400" dirty="0" smtClean="0"/>
-              <a:t>4  x  3  x  2  x  1  = 120</a:t>
-            </a:r>
-            <a:r>
-              <a:rPr lang="ja-JP" altLang="en-US" sz="2400" dirty="0" smtClean="0"/>
-              <a:t>が結果となる。</a:t>
-            </a:r>
-            <a:endParaRPr lang="en-US" altLang="ja-JP" sz="2400" dirty="0" smtClean="0"/>
-          </a:p>
-          <a:p>
-            <a:endParaRPr kumimoji="1" lang="en-US" altLang="ja-JP" sz="2400" dirty="0"/>
-          </a:p>
-          <a:p>
-            <a:r>
-              <a:rPr lang="ja-JP" altLang="en-US" sz="2400" dirty="0" smtClean="0"/>
-              <a:t>５ </a:t>
-            </a:r>
-            <a:r>
-              <a:rPr lang="en-US" altLang="ja-JP" sz="2400" dirty="0" smtClean="0"/>
-              <a:t>x Fact (4) </a:t>
-            </a:r>
-          </a:p>
-          <a:p>
-            <a:r>
-              <a:rPr kumimoji="1" lang="en-US" altLang="ja-JP" sz="2400" dirty="0"/>
-              <a:t> </a:t>
-            </a:r>
-            <a:r>
-              <a:rPr kumimoji="1" lang="en-US" altLang="ja-JP" sz="2400" dirty="0" smtClean="0"/>
-              <a:t>          4 x Fact(3)</a:t>
-            </a:r>
-          </a:p>
-          <a:p>
-            <a:r>
-              <a:rPr lang="en-US" altLang="ja-JP" sz="2400" dirty="0"/>
-              <a:t> </a:t>
-            </a:r>
-            <a:r>
-              <a:rPr lang="en-US" altLang="ja-JP" sz="2400" dirty="0" smtClean="0"/>
-              <a:t>                   3  x Fact(2)</a:t>
-            </a:r>
-          </a:p>
-          <a:p>
-            <a:r>
-              <a:rPr kumimoji="1" lang="en-US" altLang="ja-JP" sz="2400" dirty="0"/>
-              <a:t> </a:t>
-            </a:r>
-            <a:r>
-              <a:rPr kumimoji="1" lang="en-US" altLang="ja-JP" sz="2400" dirty="0" smtClean="0"/>
-              <a:t>                             2  x (Fact1)</a:t>
-            </a:r>
-          </a:p>
-          <a:p>
-            <a:r>
-              <a:rPr lang="en-US" altLang="ja-JP" sz="2400" dirty="0"/>
-              <a:t> </a:t>
-            </a:r>
-            <a:r>
-              <a:rPr lang="en-US" altLang="ja-JP" sz="2400" dirty="0" smtClean="0"/>
-              <a:t>                                          1   x   Fact(0)</a:t>
-            </a:r>
-            <a:endParaRPr kumimoji="1" lang="en-US" altLang="ja-JP" sz="2400" dirty="0" smtClean="0"/>
-          </a:p>
-          <a:p>
-            <a:endParaRPr kumimoji="1" lang="ja-JP" altLang="en-US" sz="2400" dirty="0"/>
+              <a:rPr kumimoji="1" lang="en-US" altLang="ja-JP" sz="1100" dirty="0" smtClean="0"/>
+              <a:t>2</a:t>
+            </a:r>
+            <a:endParaRPr kumimoji="1" lang="ja-JP" altLang="en-US" sz="1100" dirty="0"/>
+          </a:p>
+        </p:txBody>
+      </p:sp>
+      <p:sp>
+        <p:nvSpPr>
+          <p:cNvPr id="5" name="テキスト ボックス 4"/>
+          <p:cNvSpPr txBox="1"/>
+          <p:nvPr/>
+        </p:nvSpPr>
+        <p:spPr>
+          <a:xfrm>
+            <a:off x="2532344" y="2753034"/>
+            <a:ext cx="313151" cy="261610"/>
+          </a:xfrm>
+          <a:prstGeom prst="rect">
+            <a:avLst/>
+          </a:prstGeom>
+          <a:noFill/>
+        </p:spPr>
+        <p:txBody>
+          <a:bodyPr wrap="square" rtlCol="0">
+            <a:spAutoFit/>
+          </a:bodyPr>
+          <a:lstStyle/>
+          <a:p>
+            <a:r>
+              <a:rPr kumimoji="1" lang="en-US" altLang="ja-JP" sz="1100" dirty="0" smtClean="0"/>
+              <a:t>2</a:t>
+            </a:r>
+            <a:endParaRPr kumimoji="1" lang="ja-JP" altLang="en-US" sz="1100" dirty="0"/>
           </a:p>
         </p:txBody>
       </p:sp>
     </p:spTree>
     <p:extLst>
       <p:ext uri="{BB962C8B-B14F-4D97-AF65-F5344CB8AC3E}">
-        <p14:creationId xmlns:p14="http://schemas.microsoft.com/office/powerpoint/2010/main" val="680069580"/>
+        <p14:creationId xmlns:p14="http://schemas.microsoft.com/office/powerpoint/2010/main" val="3681992366"/>
       </p:ext>
     </p:extLst>
   </p:cSld>
@@ -6899,4 +7305,265 @@
     </a:ext>
   </a:extLst>
 </a:theme>
+</file>
+
+<file path=ppt/theme/theme2.xml><?xml version="1.0" encoding="utf-8"?>
+<a:theme xmlns:a="http://schemas.openxmlformats.org/drawingml/2006/main" name="Office テーマ">
+  <a:themeElements>
+    <a:clrScheme name="Office">
+      <a:dk1>
+        <a:sysClr val="windowText" lastClr="000000"/>
+      </a:dk1>
+      <a:lt1>
+        <a:sysClr val="window" lastClr="FFFFFF"/>
+      </a:lt1>
+      <a:dk2>
+        <a:srgbClr val="44546A"/>
+      </a:dk2>
+      <a:lt2>
+        <a:srgbClr val="E7E6E6"/>
+      </a:lt2>
+      <a:accent1>
+        <a:srgbClr val="5B9BD5"/>
+      </a:accent1>
+      <a:accent2>
+        <a:srgbClr val="ED7D31"/>
+      </a:accent2>
+      <a:accent3>
+        <a:srgbClr val="A5A5A5"/>
+      </a:accent3>
+      <a:accent4>
+        <a:srgbClr val="FFC000"/>
+      </a:accent4>
+      <a:accent5>
+        <a:srgbClr val="4472C4"/>
+      </a:accent5>
+      <a:accent6>
+        <a:srgbClr val="70AD47"/>
+      </a:accent6>
+      <a:hlink>
+        <a:srgbClr val="0563C1"/>
+      </a:hlink>
+      <a:folHlink>
+        <a:srgbClr val="954F72"/>
+      </a:folHlink>
+    </a:clrScheme>
+    <a:fontScheme name="Office">
+      <a:majorFont>
+        <a:latin typeface="游ゴシック Light" panose="020F0302020204030204"/>
+        <a:ea typeface=""/>
+        <a:cs typeface=""/>
+        <a:font script="Jpan" typeface="游ゴシック Light"/>
+        <a:font script="Hang" typeface="맑은 고딕"/>
+        <a:font script="Hans" typeface="等线 Light"/>
+        <a:font script="Hant" typeface="新細明體"/>
+        <a:font script="Arab" typeface="Times New Roman"/>
+        <a:font script="Hebr" typeface="Times New Roman"/>
+        <a:font script="Thai" typeface="Angsana New"/>
+        <a:font script="Ethi" typeface="Nyala"/>
+        <a:font script="Beng" typeface="Vrinda"/>
+        <a:font script="Gujr" typeface="Shruti"/>
+        <a:font script="Khmr" typeface="MoolBoran"/>
+        <a:font script="Knda" typeface="Tunga"/>
+        <a:font script="Guru" typeface="Raavi"/>
+        <a:font script="Cans" typeface="Euphemia"/>
+        <a:font script="Cher" typeface="Plantagenet Cherokee"/>
+        <a:font script="Yiii" typeface="Microsoft Yi Baiti"/>
+        <a:font script="Tibt" typeface="Microsoft Himalaya"/>
+        <a:font script="Thaa" typeface="MV Boli"/>
+        <a:font script="Deva" typeface="Mangal"/>
+        <a:font script="Telu" typeface="Gautami"/>
+        <a:font script="Taml" typeface="Latha"/>
+        <a:font script="Syrc" typeface="Estrangelo Edessa"/>
+        <a:font script="Orya" typeface="Kalinga"/>
+        <a:font script="Mlym" typeface="Kartika"/>
+        <a:font script="Laoo" typeface="DokChampa"/>
+        <a:font script="Sinh" typeface="Iskoola Pota"/>
+        <a:font script="Mong" typeface="Mongolian Baiti"/>
+        <a:font script="Viet" typeface="Times New Roman"/>
+        <a:font script="Uigh" typeface="Microsoft Uighur"/>
+        <a:font script="Geor" typeface="Sylfaen"/>
+      </a:majorFont>
+      <a:minorFont>
+        <a:latin typeface="游ゴシック" panose="020F0502020204030204"/>
+        <a:ea typeface=""/>
+        <a:cs typeface=""/>
+        <a:font script="Jpan" typeface="游ゴシック"/>
+        <a:font script="Hang" typeface="맑은 고딕"/>
+        <a:font script="Hans" typeface="等线"/>
+        <a:font script="Hant" typeface="新細明體"/>
+        <a:font script="Arab" typeface="Arial"/>
+        <a:font script="Hebr" typeface="Arial"/>
+        <a:font script="Thai" typeface="Cordia New"/>
+        <a:font script="Ethi" typeface="Nyala"/>
+        <a:font script="Beng" typeface="Vrinda"/>
+        <a:font script="Gujr" typeface="Shruti"/>
+        <a:font script="Khmr" typeface="DaunPenh"/>
+        <a:font script="Knda" typeface="Tunga"/>
+        <a:font script="Guru" typeface="Raavi"/>
+        <a:font script="Cans" typeface="Euphemia"/>
+        <a:font script="Cher" typeface="Plantagenet Cherokee"/>
+        <a:font script="Yiii" typeface="Microsoft Yi Baiti"/>
+        <a:font script="Tibt" typeface="Microsoft Himalaya"/>
+        <a:font script="Thaa" typeface="MV Boli"/>
+        <a:font script="Deva" typeface="Mangal"/>
+        <a:font script="Telu" typeface="Gautami"/>
+        <a:font script="Taml" typeface="Latha"/>
+        <a:font script="Syrc" typeface="Estrangelo Edessa"/>
+        <a:font script="Orya" typeface="Kalinga"/>
+        <a:font script="Mlym" typeface="Kartika"/>
+        <a:font script="Laoo" typeface="DokChampa"/>
+        <a:font script="Sinh" typeface="Iskoola Pota"/>
+        <a:font script="Mong" typeface="Mongolian Baiti"/>
+        <a:font script="Viet" typeface="Arial"/>
+        <a:font script="Uigh" typeface="Microsoft Uighur"/>
+        <a:font script="Geor" typeface="Sylfaen"/>
+      </a:minorFont>
+    </a:fontScheme>
+    <a:fmtScheme name="Office">
+      <a:fillStyleLst>
+        <a:solidFill>
+          <a:schemeClr val="phClr"/>
+        </a:solidFill>
+        <a:gradFill rotWithShape="1">
+          <a:gsLst>
+            <a:gs pos="0">
+              <a:schemeClr val="phClr">
+                <a:lumMod val="110000"/>
+                <a:satMod val="105000"/>
+                <a:tint val="67000"/>
+              </a:schemeClr>
+            </a:gs>
+            <a:gs pos="50000">
+              <a:schemeClr val="phClr">
+                <a:lumMod val="105000"/>
+                <a:satMod val="103000"/>
+                <a:tint val="73000"/>
+              </a:schemeClr>
+            </a:gs>
+            <a:gs pos="100000">
+              <a:schemeClr val="phClr">
+                <a:lumMod val="105000"/>
+                <a:satMod val="109000"/>
+                <a:tint val="81000"/>
+              </a:schemeClr>
+            </a:gs>
+          </a:gsLst>
+          <a:lin ang="5400000" scaled="0"/>
+        </a:gradFill>
+        <a:gradFill rotWithShape="1">
+          <a:gsLst>
+            <a:gs pos="0">
+              <a:schemeClr val="phClr">
+                <a:satMod val="103000"/>
+                <a:lumMod val="102000"/>
+                <a:tint val="94000"/>
+              </a:schemeClr>
+            </a:gs>
+            <a:gs pos="50000">
+              <a:schemeClr val="phClr">
+                <a:satMod val="110000"/>
+                <a:lumMod val="100000"/>
+                <a:shade val="100000"/>
+              </a:schemeClr>
+            </a:gs>
+            <a:gs pos="100000">
+              <a:schemeClr val="phClr">
+                <a:lumMod val="99000"/>
+                <a:satMod val="120000"/>
+                <a:shade val="78000"/>
+              </a:schemeClr>
+            </a:gs>
+          </a:gsLst>
+          <a:lin ang="5400000" scaled="0"/>
+        </a:gradFill>
+      </a:fillStyleLst>
+      <a:lnStyleLst>
+        <a:ln w="6350" cap="flat" cmpd="sng" algn="ctr">
+          <a:solidFill>
+            <a:schemeClr val="phClr"/>
+          </a:solidFill>
+          <a:prstDash val="solid"/>
+          <a:miter lim="800000"/>
+        </a:ln>
+        <a:ln w="12700" cap="flat" cmpd="sng" algn="ctr">
+          <a:solidFill>
+            <a:schemeClr val="phClr"/>
+          </a:solidFill>
+          <a:prstDash val="solid"/>
+          <a:miter lim="800000"/>
+        </a:ln>
+        <a:ln w="19050" cap="flat" cmpd="sng" algn="ctr">
+          <a:solidFill>
+            <a:schemeClr val="phClr"/>
+          </a:solidFill>
+          <a:prstDash val="solid"/>
+          <a:miter lim="800000"/>
+        </a:ln>
+      </a:lnStyleLst>
+      <a:effectStyleLst>
+        <a:effectStyle>
+          <a:effectLst/>
+        </a:effectStyle>
+        <a:effectStyle>
+          <a:effectLst/>
+        </a:effectStyle>
+        <a:effectStyle>
+          <a:effectLst>
+            <a:outerShdw blurRad="57150" dist="19050" dir="5400000" algn="ctr" rotWithShape="0">
+              <a:srgbClr val="000000">
+                <a:alpha val="63000"/>
+              </a:srgbClr>
+            </a:outerShdw>
+          </a:effectLst>
+        </a:effectStyle>
+      </a:effectStyleLst>
+      <a:bgFillStyleLst>
+        <a:solidFill>
+          <a:schemeClr val="phClr"/>
+        </a:solidFill>
+        <a:solidFill>
+          <a:schemeClr val="phClr">
+            <a:tint val="95000"/>
+            <a:satMod val="170000"/>
+          </a:schemeClr>
+        </a:solidFill>
+        <a:gradFill rotWithShape="1">
+          <a:gsLst>
+            <a:gs pos="0">
+              <a:schemeClr val="phClr">
+                <a:tint val="93000"/>
+                <a:satMod val="150000"/>
+                <a:shade val="98000"/>
+                <a:lumMod val="102000"/>
+              </a:schemeClr>
+            </a:gs>
+            <a:gs pos="50000">
+              <a:schemeClr val="phClr">
+                <a:tint val="98000"/>
+                <a:satMod val="130000"/>
+                <a:shade val="90000"/>
+                <a:lumMod val="103000"/>
+              </a:schemeClr>
+            </a:gs>
+            <a:gs pos="100000">
+              <a:schemeClr val="phClr">
+                <a:shade val="63000"/>
+                <a:satMod val="120000"/>
+              </a:schemeClr>
+            </a:gs>
+          </a:gsLst>
+          <a:lin ang="5400000" scaled="0"/>
+        </a:gradFill>
+      </a:bgFillStyleLst>
+    </a:fmtScheme>
+  </a:themeElements>
+  <a:objectDefaults/>
+  <a:extraClrSchemeLst/>
+  <a:extLst>
+    <a:ext uri="{05A4C25C-085E-4340-85A3-A5531E510DB2}">
+      <thm15:themeFamily xmlns:thm15="http://schemas.microsoft.com/office/thememl/2012/main" name="Office Theme" id="{62F939B6-93AF-4DB8-9C6B-D6C7DFDC589F}" vid="{4A3C46E8-61CC-4603-A589-7422A47A8E4A}"/>
+    </a:ext>
+  </a:extLst>
+</a:theme>
 </file>